--- a/trunk/Project/Proposal.pptx
+++ b/trunk/Project/Proposal.pptx
@@ -1,29 +1,30 @@
 
 <file path=ppt/presentation.xml><?xml version="1.0" encoding="utf-8"?>
-<p:presentation xmlns:a="http://schemas.openxmlformats.org/drawingml/2006/main" xmlns:r="http://schemas.openxmlformats.org/officeDocument/2006/relationships" xmlns:mc="http://schemas.openxmlformats.org/markup-compatibility/2006" xmlns:mv="urn:schemas-microsoft-com:mac:vml" xmlns:p="http://schemas.openxmlformats.org/presentationml/2006/main" mc:Ignorable="mv" mc:PreserveAttributes="mv:*" showSpecialPlsOnTitleSld="0" saveSubsetFonts="1">
+<p:presentation xmlns:a="http://schemas.openxmlformats.org/drawingml/2006/main" xmlns:r="http://schemas.openxmlformats.org/officeDocument/2006/relationships" xmlns:p="http://schemas.openxmlformats.org/presentationml/2006/main" showSpecialPlsOnTitleSld="0" saveSubsetFonts="1">
   <p:sldMasterIdLst>
     <p:sldMasterId id="2147483822" r:id="rId1"/>
   </p:sldMasterIdLst>
   <p:notesMasterIdLst>
-    <p:notesMasterId r:id="rId15"/>
+    <p:notesMasterId r:id="rId16"/>
   </p:notesMasterIdLst>
   <p:handoutMasterIdLst>
-    <p:handoutMasterId r:id="rId16"/>
+    <p:handoutMasterId r:id="rId17"/>
   </p:handoutMasterIdLst>
   <p:sldIdLst>
     <p:sldId id="256" r:id="rId2"/>
     <p:sldId id="263" r:id="rId3"/>
-    <p:sldId id="257" r:id="rId4"/>
-    <p:sldId id="258" r:id="rId5"/>
-    <p:sldId id="259" r:id="rId6"/>
-    <p:sldId id="260" r:id="rId7"/>
-    <p:sldId id="264" r:id="rId8"/>
-    <p:sldId id="265" r:id="rId9"/>
-    <p:sldId id="266" r:id="rId10"/>
-    <p:sldId id="267" r:id="rId11"/>
-    <p:sldId id="268" r:id="rId12"/>
-    <p:sldId id="261" r:id="rId13"/>
-    <p:sldId id="269" r:id="rId14"/>
+    <p:sldId id="270" r:id="rId4"/>
+    <p:sldId id="257" r:id="rId5"/>
+    <p:sldId id="258" r:id="rId6"/>
+    <p:sldId id="259" r:id="rId7"/>
+    <p:sldId id="260" r:id="rId8"/>
+    <p:sldId id="261" r:id="rId9"/>
+    <p:sldId id="264" r:id="rId10"/>
+    <p:sldId id="265" r:id="rId11"/>
+    <p:sldId id="266" r:id="rId12"/>
+    <p:sldId id="267" r:id="rId13"/>
+    <p:sldId id="268" r:id="rId14"/>
+    <p:sldId id="269" r:id="rId15"/>
   </p:sldIdLst>
   <p:sldSz cx="9144000" cy="6858000" type="screen4x3"/>
   <p:notesSz cx="6858000" cy="9144000"/>
@@ -126,7 +127,7 @@
 </file>
 
 <file path=ppt/handoutMasters/handoutMaster1.xml><?xml version="1.0" encoding="utf-8"?>
-<p:handoutMaster xmlns:a="http://schemas.openxmlformats.org/drawingml/2006/main" xmlns:r="http://schemas.openxmlformats.org/officeDocument/2006/relationships" xmlns:mc="http://schemas.openxmlformats.org/markup-compatibility/2006" xmlns:mv="urn:schemas-microsoft-com:mac:vml" xmlns:p="http://schemas.openxmlformats.org/presentationml/2006/main" mc:Ignorable="mv" mc:PreserveAttributes="mv:*">
+<p:handoutMaster xmlns:a="http://schemas.openxmlformats.org/drawingml/2006/main" xmlns:r="http://schemas.openxmlformats.org/officeDocument/2006/relationships" xmlns:p="http://schemas.openxmlformats.org/presentationml/2006/main">
   <p:cSld>
     <p:bg>
       <p:bgRef idx="1001">
@@ -208,7 +209,7 @@
             <a:fld id="{6B245DA4-F541-714A-A7A6-22ACB7573B81}" type="datetimeFigureOut">
               <a:rPr lang="en-US" smtClean="0"/>
               <a:pPr/>
-              <a:t>3/31/10</a:t>
+              <a:t>3/31/2010</a:t>
             </a:fld>
             <a:endParaRPr lang="en-US"/>
           </a:p>
@@ -289,7 +290,7 @@
 </file>
 
 <file path=ppt/notesMasters/notesMaster1.xml><?xml version="1.0" encoding="utf-8"?>
-<p:notesMaster xmlns:a="http://schemas.openxmlformats.org/drawingml/2006/main" xmlns:r="http://schemas.openxmlformats.org/officeDocument/2006/relationships" xmlns:mc="http://schemas.openxmlformats.org/markup-compatibility/2006" xmlns:mv="urn:schemas-microsoft-com:mac:vml" xmlns:p="http://schemas.openxmlformats.org/presentationml/2006/main" mc:Ignorable="mv" mc:PreserveAttributes="mv:*">
+<p:notesMaster xmlns:a="http://schemas.openxmlformats.org/drawingml/2006/main" xmlns:r="http://schemas.openxmlformats.org/officeDocument/2006/relationships" xmlns:p="http://schemas.openxmlformats.org/presentationml/2006/main">
   <p:cSld>
     <p:bg>
       <p:bgRef idx="1001">
@@ -371,7 +372,7 @@
             <a:fld id="{DA6137FE-8EB6-3C4D-88B1-EBE20EDAAB8F}" type="datetimeFigureOut">
               <a:rPr lang="en-US" smtClean="0"/>
               <a:pPr/>
-              <a:t>3/31/10</a:t>
+              <a:t>3/31/2010</a:t>
             </a:fld>
             <a:endParaRPr lang="en-US"/>
           </a:p>
@@ -638,8 +639,1156 @@
 </p:notesMaster>
 </file>
 
+<file path=ppt/notesSlides/notesSlide1.xml><?xml version="1.0" encoding="utf-8"?>
+<p:notes xmlns:a="http://schemas.openxmlformats.org/drawingml/2006/main" xmlns:r="http://schemas.openxmlformats.org/officeDocument/2006/relationships" xmlns:p="http://schemas.openxmlformats.org/presentationml/2006/main">
+  <p:cSld>
+    <p:spTree>
+      <p:nvGrpSpPr>
+        <p:cNvPr id="1" name=""/>
+        <p:cNvGrpSpPr/>
+        <p:nvPr/>
+      </p:nvGrpSpPr>
+      <p:grpSpPr>
+        <a:xfrm>
+          <a:off x="0" y="0"/>
+          <a:ext cx="0" cy="0"/>
+          <a:chOff x="0" y="0"/>
+          <a:chExt cx="0" cy="0"/>
+        </a:xfrm>
+      </p:grpSpPr>
+      <p:sp>
+        <p:nvSpPr>
+          <p:cNvPr id="2" name="Slide Image Placeholder 1"/>
+          <p:cNvSpPr>
+            <a:spLocks noGrp="1" noRot="1" noChangeAspect="1"/>
+          </p:cNvSpPr>
+          <p:nvPr>
+            <p:ph type="sldImg"/>
+          </p:nvPr>
+        </p:nvSpPr>
+        <p:spPr/>
+      </p:sp>
+      <p:sp>
+        <p:nvSpPr>
+          <p:cNvPr id="3" name="Notes Placeholder 2"/>
+          <p:cNvSpPr>
+            <a:spLocks noGrp="1"/>
+          </p:cNvSpPr>
+          <p:nvPr>
+            <p:ph type="body" idx="1"/>
+          </p:nvPr>
+        </p:nvSpPr>
+        <p:spPr/>
+        <p:txBody>
+          <a:bodyPr>
+            <a:normAutofit/>
+          </a:bodyPr>
+          <a:lstStyle/>
+          <a:p>
+            <a:endParaRPr lang="en-US"/>
+          </a:p>
+        </p:txBody>
+      </p:sp>
+      <p:sp>
+        <p:nvSpPr>
+          <p:cNvPr id="4" name="Slide Number Placeholder 3"/>
+          <p:cNvSpPr>
+            <a:spLocks noGrp="1"/>
+          </p:cNvSpPr>
+          <p:nvPr>
+            <p:ph type="sldNum" sz="quarter" idx="10"/>
+          </p:nvPr>
+        </p:nvSpPr>
+        <p:spPr/>
+        <p:txBody>
+          <a:bodyPr/>
+          <a:lstStyle/>
+          <a:p>
+            <a:fld id="{E23B5224-01A0-3D41-A0A8-04A6E56E8C93}" type="slidenum">
+              <a:rPr lang="en-US" smtClean="0"/>
+              <a:pPr/>
+              <a:t>1</a:t>
+            </a:fld>
+            <a:endParaRPr lang="en-US"/>
+          </a:p>
+        </p:txBody>
+      </p:sp>
+    </p:spTree>
+  </p:cSld>
+  <p:clrMapOvr>
+    <a:masterClrMapping/>
+  </p:clrMapOvr>
+</p:notes>
+</file>
+
+<file path=ppt/notesSlides/notesSlide10.xml><?xml version="1.0" encoding="utf-8"?>
+<p:notes xmlns:a="http://schemas.openxmlformats.org/drawingml/2006/main" xmlns:r="http://schemas.openxmlformats.org/officeDocument/2006/relationships" xmlns:p="http://schemas.openxmlformats.org/presentationml/2006/main">
+  <p:cSld>
+    <p:spTree>
+      <p:nvGrpSpPr>
+        <p:cNvPr id="1" name=""/>
+        <p:cNvGrpSpPr/>
+        <p:nvPr/>
+      </p:nvGrpSpPr>
+      <p:grpSpPr>
+        <a:xfrm>
+          <a:off x="0" y="0"/>
+          <a:ext cx="0" cy="0"/>
+          <a:chOff x="0" y="0"/>
+          <a:chExt cx="0" cy="0"/>
+        </a:xfrm>
+      </p:grpSpPr>
+      <p:sp>
+        <p:nvSpPr>
+          <p:cNvPr id="2" name="Slide Image Placeholder 1"/>
+          <p:cNvSpPr>
+            <a:spLocks noGrp="1" noRot="1" noChangeAspect="1"/>
+          </p:cNvSpPr>
+          <p:nvPr>
+            <p:ph type="sldImg"/>
+          </p:nvPr>
+        </p:nvSpPr>
+        <p:spPr/>
+      </p:sp>
+      <p:sp>
+        <p:nvSpPr>
+          <p:cNvPr id="3" name="Notes Placeholder 2"/>
+          <p:cNvSpPr>
+            <a:spLocks noGrp="1"/>
+          </p:cNvSpPr>
+          <p:nvPr>
+            <p:ph type="body" idx="1"/>
+          </p:nvPr>
+        </p:nvSpPr>
+        <p:spPr/>
+        <p:txBody>
+          <a:bodyPr>
+            <a:normAutofit/>
+          </a:bodyPr>
+          <a:lstStyle/>
+          <a:p>
+            <a:endParaRPr lang="en-US"/>
+          </a:p>
+        </p:txBody>
+      </p:sp>
+      <p:sp>
+        <p:nvSpPr>
+          <p:cNvPr id="4" name="Slide Number Placeholder 3"/>
+          <p:cNvSpPr>
+            <a:spLocks noGrp="1"/>
+          </p:cNvSpPr>
+          <p:nvPr>
+            <p:ph type="sldNum" sz="quarter" idx="10"/>
+          </p:nvPr>
+        </p:nvSpPr>
+        <p:spPr/>
+        <p:txBody>
+          <a:bodyPr/>
+          <a:lstStyle/>
+          <a:p>
+            <a:fld id="{E23B5224-01A0-3D41-A0A8-04A6E56E8C93}" type="slidenum">
+              <a:rPr lang="en-US" smtClean="0"/>
+              <a:pPr/>
+              <a:t>10</a:t>
+            </a:fld>
+            <a:endParaRPr lang="en-US"/>
+          </a:p>
+        </p:txBody>
+      </p:sp>
+    </p:spTree>
+  </p:cSld>
+  <p:clrMapOvr>
+    <a:masterClrMapping/>
+  </p:clrMapOvr>
+</p:notes>
+</file>
+
+<file path=ppt/notesSlides/notesSlide11.xml><?xml version="1.0" encoding="utf-8"?>
+<p:notes xmlns:a="http://schemas.openxmlformats.org/drawingml/2006/main" xmlns:r="http://schemas.openxmlformats.org/officeDocument/2006/relationships" xmlns:p="http://schemas.openxmlformats.org/presentationml/2006/main">
+  <p:cSld>
+    <p:spTree>
+      <p:nvGrpSpPr>
+        <p:cNvPr id="1" name=""/>
+        <p:cNvGrpSpPr/>
+        <p:nvPr/>
+      </p:nvGrpSpPr>
+      <p:grpSpPr>
+        <a:xfrm>
+          <a:off x="0" y="0"/>
+          <a:ext cx="0" cy="0"/>
+          <a:chOff x="0" y="0"/>
+          <a:chExt cx="0" cy="0"/>
+        </a:xfrm>
+      </p:grpSpPr>
+      <p:sp>
+        <p:nvSpPr>
+          <p:cNvPr id="2" name="Slide Image Placeholder 1"/>
+          <p:cNvSpPr>
+            <a:spLocks noGrp="1" noRot="1" noChangeAspect="1"/>
+          </p:cNvSpPr>
+          <p:nvPr>
+            <p:ph type="sldImg"/>
+          </p:nvPr>
+        </p:nvSpPr>
+        <p:spPr/>
+      </p:sp>
+      <p:sp>
+        <p:nvSpPr>
+          <p:cNvPr id="3" name="Notes Placeholder 2"/>
+          <p:cNvSpPr>
+            <a:spLocks noGrp="1"/>
+          </p:cNvSpPr>
+          <p:nvPr>
+            <p:ph type="body" idx="1"/>
+          </p:nvPr>
+        </p:nvSpPr>
+        <p:spPr/>
+        <p:txBody>
+          <a:bodyPr>
+            <a:normAutofit/>
+          </a:bodyPr>
+          <a:lstStyle/>
+          <a:p>
+            <a:endParaRPr lang="en-US"/>
+          </a:p>
+        </p:txBody>
+      </p:sp>
+      <p:sp>
+        <p:nvSpPr>
+          <p:cNvPr id="4" name="Slide Number Placeholder 3"/>
+          <p:cNvSpPr>
+            <a:spLocks noGrp="1"/>
+          </p:cNvSpPr>
+          <p:nvPr>
+            <p:ph type="sldNum" sz="quarter" idx="10"/>
+          </p:nvPr>
+        </p:nvSpPr>
+        <p:spPr/>
+        <p:txBody>
+          <a:bodyPr/>
+          <a:lstStyle/>
+          <a:p>
+            <a:fld id="{E23B5224-01A0-3D41-A0A8-04A6E56E8C93}" type="slidenum">
+              <a:rPr lang="en-US" smtClean="0"/>
+              <a:pPr/>
+              <a:t>11</a:t>
+            </a:fld>
+            <a:endParaRPr lang="en-US"/>
+          </a:p>
+        </p:txBody>
+      </p:sp>
+    </p:spTree>
+  </p:cSld>
+  <p:clrMapOvr>
+    <a:masterClrMapping/>
+  </p:clrMapOvr>
+</p:notes>
+</file>
+
+<file path=ppt/notesSlides/notesSlide12.xml><?xml version="1.0" encoding="utf-8"?>
+<p:notes xmlns:a="http://schemas.openxmlformats.org/drawingml/2006/main" xmlns:r="http://schemas.openxmlformats.org/officeDocument/2006/relationships" xmlns:p="http://schemas.openxmlformats.org/presentationml/2006/main">
+  <p:cSld>
+    <p:spTree>
+      <p:nvGrpSpPr>
+        <p:cNvPr id="1" name=""/>
+        <p:cNvGrpSpPr/>
+        <p:nvPr/>
+      </p:nvGrpSpPr>
+      <p:grpSpPr>
+        <a:xfrm>
+          <a:off x="0" y="0"/>
+          <a:ext cx="0" cy="0"/>
+          <a:chOff x="0" y="0"/>
+          <a:chExt cx="0" cy="0"/>
+        </a:xfrm>
+      </p:grpSpPr>
+      <p:sp>
+        <p:nvSpPr>
+          <p:cNvPr id="2" name="Slide Image Placeholder 1"/>
+          <p:cNvSpPr>
+            <a:spLocks noGrp="1" noRot="1" noChangeAspect="1"/>
+          </p:cNvSpPr>
+          <p:nvPr>
+            <p:ph type="sldImg"/>
+          </p:nvPr>
+        </p:nvSpPr>
+        <p:spPr/>
+      </p:sp>
+      <p:sp>
+        <p:nvSpPr>
+          <p:cNvPr id="3" name="Notes Placeholder 2"/>
+          <p:cNvSpPr>
+            <a:spLocks noGrp="1"/>
+          </p:cNvSpPr>
+          <p:nvPr>
+            <p:ph type="body" idx="1"/>
+          </p:nvPr>
+        </p:nvSpPr>
+        <p:spPr/>
+        <p:txBody>
+          <a:bodyPr>
+            <a:normAutofit/>
+          </a:bodyPr>
+          <a:lstStyle/>
+          <a:p>
+            <a:endParaRPr lang="en-US"/>
+          </a:p>
+        </p:txBody>
+      </p:sp>
+      <p:sp>
+        <p:nvSpPr>
+          <p:cNvPr id="4" name="Slide Number Placeholder 3"/>
+          <p:cNvSpPr>
+            <a:spLocks noGrp="1"/>
+          </p:cNvSpPr>
+          <p:nvPr>
+            <p:ph type="sldNum" sz="quarter" idx="10"/>
+          </p:nvPr>
+        </p:nvSpPr>
+        <p:spPr/>
+        <p:txBody>
+          <a:bodyPr/>
+          <a:lstStyle/>
+          <a:p>
+            <a:fld id="{E23B5224-01A0-3D41-A0A8-04A6E56E8C93}" type="slidenum">
+              <a:rPr lang="en-US" smtClean="0"/>
+              <a:pPr/>
+              <a:t>12</a:t>
+            </a:fld>
+            <a:endParaRPr lang="en-US"/>
+          </a:p>
+        </p:txBody>
+      </p:sp>
+    </p:spTree>
+  </p:cSld>
+  <p:clrMapOvr>
+    <a:masterClrMapping/>
+  </p:clrMapOvr>
+</p:notes>
+</file>
+
+<file path=ppt/notesSlides/notesSlide13.xml><?xml version="1.0" encoding="utf-8"?>
+<p:notes xmlns:a="http://schemas.openxmlformats.org/drawingml/2006/main" xmlns:r="http://schemas.openxmlformats.org/officeDocument/2006/relationships" xmlns:p="http://schemas.openxmlformats.org/presentationml/2006/main">
+  <p:cSld>
+    <p:spTree>
+      <p:nvGrpSpPr>
+        <p:cNvPr id="1" name=""/>
+        <p:cNvGrpSpPr/>
+        <p:nvPr/>
+      </p:nvGrpSpPr>
+      <p:grpSpPr>
+        <a:xfrm>
+          <a:off x="0" y="0"/>
+          <a:ext cx="0" cy="0"/>
+          <a:chOff x="0" y="0"/>
+          <a:chExt cx="0" cy="0"/>
+        </a:xfrm>
+      </p:grpSpPr>
+      <p:sp>
+        <p:nvSpPr>
+          <p:cNvPr id="2" name="Slide Image Placeholder 1"/>
+          <p:cNvSpPr>
+            <a:spLocks noGrp="1" noRot="1" noChangeAspect="1"/>
+          </p:cNvSpPr>
+          <p:nvPr>
+            <p:ph type="sldImg"/>
+          </p:nvPr>
+        </p:nvSpPr>
+        <p:spPr/>
+      </p:sp>
+      <p:sp>
+        <p:nvSpPr>
+          <p:cNvPr id="3" name="Notes Placeholder 2"/>
+          <p:cNvSpPr>
+            <a:spLocks noGrp="1"/>
+          </p:cNvSpPr>
+          <p:nvPr>
+            <p:ph type="body" idx="1"/>
+          </p:nvPr>
+        </p:nvSpPr>
+        <p:spPr/>
+        <p:txBody>
+          <a:bodyPr>
+            <a:normAutofit/>
+          </a:bodyPr>
+          <a:lstStyle/>
+          <a:p>
+            <a:endParaRPr lang="en-US"/>
+          </a:p>
+        </p:txBody>
+      </p:sp>
+      <p:sp>
+        <p:nvSpPr>
+          <p:cNvPr id="4" name="Slide Number Placeholder 3"/>
+          <p:cNvSpPr>
+            <a:spLocks noGrp="1"/>
+          </p:cNvSpPr>
+          <p:nvPr>
+            <p:ph type="sldNum" sz="quarter" idx="10"/>
+          </p:nvPr>
+        </p:nvSpPr>
+        <p:spPr/>
+        <p:txBody>
+          <a:bodyPr/>
+          <a:lstStyle/>
+          <a:p>
+            <a:fld id="{E23B5224-01A0-3D41-A0A8-04A6E56E8C93}" type="slidenum">
+              <a:rPr lang="en-US" smtClean="0"/>
+              <a:pPr/>
+              <a:t>13</a:t>
+            </a:fld>
+            <a:endParaRPr lang="en-US"/>
+          </a:p>
+        </p:txBody>
+      </p:sp>
+    </p:spTree>
+  </p:cSld>
+  <p:clrMapOvr>
+    <a:masterClrMapping/>
+  </p:clrMapOvr>
+</p:notes>
+</file>
+
+<file path=ppt/notesSlides/notesSlide14.xml><?xml version="1.0" encoding="utf-8"?>
+<p:notes xmlns:a="http://schemas.openxmlformats.org/drawingml/2006/main" xmlns:r="http://schemas.openxmlformats.org/officeDocument/2006/relationships" xmlns:p="http://schemas.openxmlformats.org/presentationml/2006/main">
+  <p:cSld>
+    <p:spTree>
+      <p:nvGrpSpPr>
+        <p:cNvPr id="1" name=""/>
+        <p:cNvGrpSpPr/>
+        <p:nvPr/>
+      </p:nvGrpSpPr>
+      <p:grpSpPr>
+        <a:xfrm>
+          <a:off x="0" y="0"/>
+          <a:ext cx="0" cy="0"/>
+          <a:chOff x="0" y="0"/>
+          <a:chExt cx="0" cy="0"/>
+        </a:xfrm>
+      </p:grpSpPr>
+      <p:sp>
+        <p:nvSpPr>
+          <p:cNvPr id="2" name="Slide Image Placeholder 1"/>
+          <p:cNvSpPr>
+            <a:spLocks noGrp="1" noRot="1" noChangeAspect="1"/>
+          </p:cNvSpPr>
+          <p:nvPr>
+            <p:ph type="sldImg"/>
+          </p:nvPr>
+        </p:nvSpPr>
+        <p:spPr/>
+      </p:sp>
+      <p:sp>
+        <p:nvSpPr>
+          <p:cNvPr id="3" name="Notes Placeholder 2"/>
+          <p:cNvSpPr>
+            <a:spLocks noGrp="1"/>
+          </p:cNvSpPr>
+          <p:nvPr>
+            <p:ph type="body" idx="1"/>
+          </p:nvPr>
+        </p:nvSpPr>
+        <p:spPr/>
+        <p:txBody>
+          <a:bodyPr>
+            <a:normAutofit/>
+          </a:bodyPr>
+          <a:lstStyle/>
+          <a:p>
+            <a:endParaRPr lang="en-US"/>
+          </a:p>
+        </p:txBody>
+      </p:sp>
+      <p:sp>
+        <p:nvSpPr>
+          <p:cNvPr id="4" name="Slide Number Placeholder 3"/>
+          <p:cNvSpPr>
+            <a:spLocks noGrp="1"/>
+          </p:cNvSpPr>
+          <p:nvPr>
+            <p:ph type="sldNum" sz="quarter" idx="10"/>
+          </p:nvPr>
+        </p:nvSpPr>
+        <p:spPr/>
+        <p:txBody>
+          <a:bodyPr/>
+          <a:lstStyle/>
+          <a:p>
+            <a:fld id="{E23B5224-01A0-3D41-A0A8-04A6E56E8C93}" type="slidenum">
+              <a:rPr lang="en-US" smtClean="0"/>
+              <a:pPr/>
+              <a:t>14</a:t>
+            </a:fld>
+            <a:endParaRPr lang="en-US"/>
+          </a:p>
+        </p:txBody>
+      </p:sp>
+    </p:spTree>
+  </p:cSld>
+  <p:clrMapOvr>
+    <a:masterClrMapping/>
+  </p:clrMapOvr>
+</p:notes>
+</file>
+
+<file path=ppt/notesSlides/notesSlide2.xml><?xml version="1.0" encoding="utf-8"?>
+<p:notes xmlns:a="http://schemas.openxmlformats.org/drawingml/2006/main" xmlns:r="http://schemas.openxmlformats.org/officeDocument/2006/relationships" xmlns:p="http://schemas.openxmlformats.org/presentationml/2006/main">
+  <p:cSld>
+    <p:spTree>
+      <p:nvGrpSpPr>
+        <p:cNvPr id="1" name=""/>
+        <p:cNvGrpSpPr/>
+        <p:nvPr/>
+      </p:nvGrpSpPr>
+      <p:grpSpPr>
+        <a:xfrm>
+          <a:off x="0" y="0"/>
+          <a:ext cx="0" cy="0"/>
+          <a:chOff x="0" y="0"/>
+          <a:chExt cx="0" cy="0"/>
+        </a:xfrm>
+      </p:grpSpPr>
+      <p:sp>
+        <p:nvSpPr>
+          <p:cNvPr id="2" name="Slide Image Placeholder 1"/>
+          <p:cNvSpPr>
+            <a:spLocks noGrp="1" noRot="1" noChangeAspect="1"/>
+          </p:cNvSpPr>
+          <p:nvPr>
+            <p:ph type="sldImg"/>
+          </p:nvPr>
+        </p:nvSpPr>
+        <p:spPr/>
+      </p:sp>
+      <p:sp>
+        <p:nvSpPr>
+          <p:cNvPr id="3" name="Notes Placeholder 2"/>
+          <p:cNvSpPr>
+            <a:spLocks noGrp="1"/>
+          </p:cNvSpPr>
+          <p:nvPr>
+            <p:ph type="body" idx="1"/>
+          </p:nvPr>
+        </p:nvSpPr>
+        <p:spPr/>
+        <p:txBody>
+          <a:bodyPr>
+            <a:normAutofit/>
+          </a:bodyPr>
+          <a:lstStyle/>
+          <a:p>
+            <a:endParaRPr lang="en-US"/>
+          </a:p>
+        </p:txBody>
+      </p:sp>
+      <p:sp>
+        <p:nvSpPr>
+          <p:cNvPr id="4" name="Slide Number Placeholder 3"/>
+          <p:cNvSpPr>
+            <a:spLocks noGrp="1"/>
+          </p:cNvSpPr>
+          <p:nvPr>
+            <p:ph type="sldNum" sz="quarter" idx="10"/>
+          </p:nvPr>
+        </p:nvSpPr>
+        <p:spPr/>
+        <p:txBody>
+          <a:bodyPr/>
+          <a:lstStyle/>
+          <a:p>
+            <a:fld id="{E23B5224-01A0-3D41-A0A8-04A6E56E8C93}" type="slidenum">
+              <a:rPr lang="en-US" smtClean="0"/>
+              <a:pPr/>
+              <a:t>2</a:t>
+            </a:fld>
+            <a:endParaRPr lang="en-US"/>
+          </a:p>
+        </p:txBody>
+      </p:sp>
+    </p:spTree>
+  </p:cSld>
+  <p:clrMapOvr>
+    <a:masterClrMapping/>
+  </p:clrMapOvr>
+</p:notes>
+</file>
+
+<file path=ppt/notesSlides/notesSlide3.xml><?xml version="1.0" encoding="utf-8"?>
+<p:notes xmlns:a="http://schemas.openxmlformats.org/drawingml/2006/main" xmlns:r="http://schemas.openxmlformats.org/officeDocument/2006/relationships" xmlns:p="http://schemas.openxmlformats.org/presentationml/2006/main">
+  <p:cSld>
+    <p:spTree>
+      <p:nvGrpSpPr>
+        <p:cNvPr id="1" name=""/>
+        <p:cNvGrpSpPr/>
+        <p:nvPr/>
+      </p:nvGrpSpPr>
+      <p:grpSpPr>
+        <a:xfrm>
+          <a:off x="0" y="0"/>
+          <a:ext cx="0" cy="0"/>
+          <a:chOff x="0" y="0"/>
+          <a:chExt cx="0" cy="0"/>
+        </a:xfrm>
+      </p:grpSpPr>
+      <p:sp>
+        <p:nvSpPr>
+          <p:cNvPr id="2" name="Slide Image Placeholder 1"/>
+          <p:cNvSpPr>
+            <a:spLocks noGrp="1" noRot="1" noChangeAspect="1"/>
+          </p:cNvSpPr>
+          <p:nvPr>
+            <p:ph type="sldImg"/>
+          </p:nvPr>
+        </p:nvSpPr>
+        <p:spPr/>
+      </p:sp>
+      <p:sp>
+        <p:nvSpPr>
+          <p:cNvPr id="3" name="Notes Placeholder 2"/>
+          <p:cNvSpPr>
+            <a:spLocks noGrp="1"/>
+          </p:cNvSpPr>
+          <p:nvPr>
+            <p:ph type="body" idx="1"/>
+          </p:nvPr>
+        </p:nvSpPr>
+        <p:spPr/>
+        <p:txBody>
+          <a:bodyPr>
+            <a:normAutofit/>
+          </a:bodyPr>
+          <a:lstStyle/>
+          <a:p>
+            <a:endParaRPr lang="en-US"/>
+          </a:p>
+        </p:txBody>
+      </p:sp>
+      <p:sp>
+        <p:nvSpPr>
+          <p:cNvPr id="4" name="Slide Number Placeholder 3"/>
+          <p:cNvSpPr>
+            <a:spLocks noGrp="1"/>
+          </p:cNvSpPr>
+          <p:nvPr>
+            <p:ph type="sldNum" sz="quarter" idx="10"/>
+          </p:nvPr>
+        </p:nvSpPr>
+        <p:spPr/>
+        <p:txBody>
+          <a:bodyPr/>
+          <a:lstStyle/>
+          <a:p>
+            <a:fld id="{E23B5224-01A0-3D41-A0A8-04A6E56E8C93}" type="slidenum">
+              <a:rPr lang="en-US" smtClean="0"/>
+              <a:pPr/>
+              <a:t>3</a:t>
+            </a:fld>
+            <a:endParaRPr lang="en-US"/>
+          </a:p>
+        </p:txBody>
+      </p:sp>
+    </p:spTree>
+  </p:cSld>
+  <p:clrMapOvr>
+    <a:masterClrMapping/>
+  </p:clrMapOvr>
+</p:notes>
+</file>
+
+<file path=ppt/notesSlides/notesSlide4.xml><?xml version="1.0" encoding="utf-8"?>
+<p:notes xmlns:a="http://schemas.openxmlformats.org/drawingml/2006/main" xmlns:r="http://schemas.openxmlformats.org/officeDocument/2006/relationships" xmlns:p="http://schemas.openxmlformats.org/presentationml/2006/main">
+  <p:cSld>
+    <p:spTree>
+      <p:nvGrpSpPr>
+        <p:cNvPr id="1" name=""/>
+        <p:cNvGrpSpPr/>
+        <p:nvPr/>
+      </p:nvGrpSpPr>
+      <p:grpSpPr>
+        <a:xfrm>
+          <a:off x="0" y="0"/>
+          <a:ext cx="0" cy="0"/>
+          <a:chOff x="0" y="0"/>
+          <a:chExt cx="0" cy="0"/>
+        </a:xfrm>
+      </p:grpSpPr>
+      <p:sp>
+        <p:nvSpPr>
+          <p:cNvPr id="2" name="Slide Image Placeholder 1"/>
+          <p:cNvSpPr>
+            <a:spLocks noGrp="1" noRot="1" noChangeAspect="1"/>
+          </p:cNvSpPr>
+          <p:nvPr>
+            <p:ph type="sldImg"/>
+          </p:nvPr>
+        </p:nvSpPr>
+        <p:spPr/>
+      </p:sp>
+      <p:sp>
+        <p:nvSpPr>
+          <p:cNvPr id="3" name="Notes Placeholder 2"/>
+          <p:cNvSpPr>
+            <a:spLocks noGrp="1"/>
+          </p:cNvSpPr>
+          <p:nvPr>
+            <p:ph type="body" idx="1"/>
+          </p:nvPr>
+        </p:nvSpPr>
+        <p:spPr/>
+        <p:txBody>
+          <a:bodyPr>
+            <a:normAutofit/>
+          </a:bodyPr>
+          <a:lstStyle/>
+          <a:p>
+            <a:endParaRPr lang="en-US"/>
+          </a:p>
+        </p:txBody>
+      </p:sp>
+      <p:sp>
+        <p:nvSpPr>
+          <p:cNvPr id="4" name="Slide Number Placeholder 3"/>
+          <p:cNvSpPr>
+            <a:spLocks noGrp="1"/>
+          </p:cNvSpPr>
+          <p:nvPr>
+            <p:ph type="sldNum" sz="quarter" idx="10"/>
+          </p:nvPr>
+        </p:nvSpPr>
+        <p:spPr/>
+        <p:txBody>
+          <a:bodyPr/>
+          <a:lstStyle/>
+          <a:p>
+            <a:fld id="{E23B5224-01A0-3D41-A0A8-04A6E56E8C93}" type="slidenum">
+              <a:rPr lang="en-US" smtClean="0"/>
+              <a:pPr/>
+              <a:t>4</a:t>
+            </a:fld>
+            <a:endParaRPr lang="en-US"/>
+          </a:p>
+        </p:txBody>
+      </p:sp>
+    </p:spTree>
+  </p:cSld>
+  <p:clrMapOvr>
+    <a:masterClrMapping/>
+  </p:clrMapOvr>
+</p:notes>
+</file>
+
+<file path=ppt/notesSlides/notesSlide5.xml><?xml version="1.0" encoding="utf-8"?>
+<p:notes xmlns:a="http://schemas.openxmlformats.org/drawingml/2006/main" xmlns:r="http://schemas.openxmlformats.org/officeDocument/2006/relationships" xmlns:p="http://schemas.openxmlformats.org/presentationml/2006/main">
+  <p:cSld>
+    <p:spTree>
+      <p:nvGrpSpPr>
+        <p:cNvPr id="1" name=""/>
+        <p:cNvGrpSpPr/>
+        <p:nvPr/>
+      </p:nvGrpSpPr>
+      <p:grpSpPr>
+        <a:xfrm>
+          <a:off x="0" y="0"/>
+          <a:ext cx="0" cy="0"/>
+          <a:chOff x="0" y="0"/>
+          <a:chExt cx="0" cy="0"/>
+        </a:xfrm>
+      </p:grpSpPr>
+      <p:sp>
+        <p:nvSpPr>
+          <p:cNvPr id="2" name="Slide Image Placeholder 1"/>
+          <p:cNvSpPr>
+            <a:spLocks noGrp="1" noRot="1" noChangeAspect="1"/>
+          </p:cNvSpPr>
+          <p:nvPr>
+            <p:ph type="sldImg"/>
+          </p:nvPr>
+        </p:nvSpPr>
+        <p:spPr/>
+      </p:sp>
+      <p:sp>
+        <p:nvSpPr>
+          <p:cNvPr id="3" name="Notes Placeholder 2"/>
+          <p:cNvSpPr>
+            <a:spLocks noGrp="1"/>
+          </p:cNvSpPr>
+          <p:nvPr>
+            <p:ph type="body" idx="1"/>
+          </p:nvPr>
+        </p:nvSpPr>
+        <p:spPr/>
+        <p:txBody>
+          <a:bodyPr>
+            <a:normAutofit/>
+          </a:bodyPr>
+          <a:lstStyle/>
+          <a:p>
+            <a:endParaRPr lang="en-US"/>
+          </a:p>
+        </p:txBody>
+      </p:sp>
+      <p:sp>
+        <p:nvSpPr>
+          <p:cNvPr id="4" name="Slide Number Placeholder 3"/>
+          <p:cNvSpPr>
+            <a:spLocks noGrp="1"/>
+          </p:cNvSpPr>
+          <p:nvPr>
+            <p:ph type="sldNum" sz="quarter" idx="10"/>
+          </p:nvPr>
+        </p:nvSpPr>
+        <p:spPr/>
+        <p:txBody>
+          <a:bodyPr/>
+          <a:lstStyle/>
+          <a:p>
+            <a:fld id="{E23B5224-01A0-3D41-A0A8-04A6E56E8C93}" type="slidenum">
+              <a:rPr lang="en-US" smtClean="0"/>
+              <a:pPr/>
+              <a:t>5</a:t>
+            </a:fld>
+            <a:endParaRPr lang="en-US"/>
+          </a:p>
+        </p:txBody>
+      </p:sp>
+    </p:spTree>
+  </p:cSld>
+  <p:clrMapOvr>
+    <a:masterClrMapping/>
+  </p:clrMapOvr>
+</p:notes>
+</file>
+
+<file path=ppt/notesSlides/notesSlide6.xml><?xml version="1.0" encoding="utf-8"?>
+<p:notes xmlns:a="http://schemas.openxmlformats.org/drawingml/2006/main" xmlns:r="http://schemas.openxmlformats.org/officeDocument/2006/relationships" xmlns:p="http://schemas.openxmlformats.org/presentationml/2006/main">
+  <p:cSld>
+    <p:spTree>
+      <p:nvGrpSpPr>
+        <p:cNvPr id="1" name=""/>
+        <p:cNvGrpSpPr/>
+        <p:nvPr/>
+      </p:nvGrpSpPr>
+      <p:grpSpPr>
+        <a:xfrm>
+          <a:off x="0" y="0"/>
+          <a:ext cx="0" cy="0"/>
+          <a:chOff x="0" y="0"/>
+          <a:chExt cx="0" cy="0"/>
+        </a:xfrm>
+      </p:grpSpPr>
+      <p:sp>
+        <p:nvSpPr>
+          <p:cNvPr id="2" name="Slide Image Placeholder 1"/>
+          <p:cNvSpPr>
+            <a:spLocks noGrp="1" noRot="1" noChangeAspect="1"/>
+          </p:cNvSpPr>
+          <p:nvPr>
+            <p:ph type="sldImg"/>
+          </p:nvPr>
+        </p:nvSpPr>
+        <p:spPr/>
+      </p:sp>
+      <p:sp>
+        <p:nvSpPr>
+          <p:cNvPr id="3" name="Notes Placeholder 2"/>
+          <p:cNvSpPr>
+            <a:spLocks noGrp="1"/>
+          </p:cNvSpPr>
+          <p:nvPr>
+            <p:ph type="body" idx="1"/>
+          </p:nvPr>
+        </p:nvSpPr>
+        <p:spPr/>
+        <p:txBody>
+          <a:bodyPr>
+            <a:normAutofit/>
+          </a:bodyPr>
+          <a:lstStyle/>
+          <a:p>
+            <a:endParaRPr lang="en-US"/>
+          </a:p>
+        </p:txBody>
+      </p:sp>
+      <p:sp>
+        <p:nvSpPr>
+          <p:cNvPr id="4" name="Slide Number Placeholder 3"/>
+          <p:cNvSpPr>
+            <a:spLocks noGrp="1"/>
+          </p:cNvSpPr>
+          <p:nvPr>
+            <p:ph type="sldNum" sz="quarter" idx="10"/>
+          </p:nvPr>
+        </p:nvSpPr>
+        <p:spPr/>
+        <p:txBody>
+          <a:bodyPr/>
+          <a:lstStyle/>
+          <a:p>
+            <a:fld id="{E23B5224-01A0-3D41-A0A8-04A6E56E8C93}" type="slidenum">
+              <a:rPr lang="en-US" smtClean="0"/>
+              <a:pPr/>
+              <a:t>6</a:t>
+            </a:fld>
+            <a:endParaRPr lang="en-US"/>
+          </a:p>
+        </p:txBody>
+      </p:sp>
+    </p:spTree>
+  </p:cSld>
+  <p:clrMapOvr>
+    <a:masterClrMapping/>
+  </p:clrMapOvr>
+</p:notes>
+</file>
+
+<file path=ppt/notesSlides/notesSlide7.xml><?xml version="1.0" encoding="utf-8"?>
+<p:notes xmlns:a="http://schemas.openxmlformats.org/drawingml/2006/main" xmlns:r="http://schemas.openxmlformats.org/officeDocument/2006/relationships" xmlns:p="http://schemas.openxmlformats.org/presentationml/2006/main">
+  <p:cSld>
+    <p:spTree>
+      <p:nvGrpSpPr>
+        <p:cNvPr id="1" name=""/>
+        <p:cNvGrpSpPr/>
+        <p:nvPr/>
+      </p:nvGrpSpPr>
+      <p:grpSpPr>
+        <a:xfrm>
+          <a:off x="0" y="0"/>
+          <a:ext cx="0" cy="0"/>
+          <a:chOff x="0" y="0"/>
+          <a:chExt cx="0" cy="0"/>
+        </a:xfrm>
+      </p:grpSpPr>
+      <p:sp>
+        <p:nvSpPr>
+          <p:cNvPr id="2" name="Slide Image Placeholder 1"/>
+          <p:cNvSpPr>
+            <a:spLocks noGrp="1" noRot="1" noChangeAspect="1"/>
+          </p:cNvSpPr>
+          <p:nvPr>
+            <p:ph type="sldImg"/>
+          </p:nvPr>
+        </p:nvSpPr>
+        <p:spPr/>
+      </p:sp>
+      <p:sp>
+        <p:nvSpPr>
+          <p:cNvPr id="3" name="Notes Placeholder 2"/>
+          <p:cNvSpPr>
+            <a:spLocks noGrp="1"/>
+          </p:cNvSpPr>
+          <p:nvPr>
+            <p:ph type="body" idx="1"/>
+          </p:nvPr>
+        </p:nvSpPr>
+        <p:spPr/>
+        <p:txBody>
+          <a:bodyPr>
+            <a:normAutofit/>
+          </a:bodyPr>
+          <a:lstStyle/>
+          <a:p>
+            <a:endParaRPr lang="en-US"/>
+          </a:p>
+        </p:txBody>
+      </p:sp>
+      <p:sp>
+        <p:nvSpPr>
+          <p:cNvPr id="4" name="Slide Number Placeholder 3"/>
+          <p:cNvSpPr>
+            <a:spLocks noGrp="1"/>
+          </p:cNvSpPr>
+          <p:nvPr>
+            <p:ph type="sldNum" sz="quarter" idx="10"/>
+          </p:nvPr>
+        </p:nvSpPr>
+        <p:spPr/>
+        <p:txBody>
+          <a:bodyPr/>
+          <a:lstStyle/>
+          <a:p>
+            <a:fld id="{E23B5224-01A0-3D41-A0A8-04A6E56E8C93}" type="slidenum">
+              <a:rPr lang="en-US" smtClean="0"/>
+              <a:pPr/>
+              <a:t>7</a:t>
+            </a:fld>
+            <a:endParaRPr lang="en-US"/>
+          </a:p>
+        </p:txBody>
+      </p:sp>
+    </p:spTree>
+  </p:cSld>
+  <p:clrMapOvr>
+    <a:masterClrMapping/>
+  </p:clrMapOvr>
+</p:notes>
+</file>
+
+<file path=ppt/notesSlides/notesSlide8.xml><?xml version="1.0" encoding="utf-8"?>
+<p:notes xmlns:a="http://schemas.openxmlformats.org/drawingml/2006/main" xmlns:r="http://schemas.openxmlformats.org/officeDocument/2006/relationships" xmlns:p="http://schemas.openxmlformats.org/presentationml/2006/main">
+  <p:cSld>
+    <p:spTree>
+      <p:nvGrpSpPr>
+        <p:cNvPr id="1" name=""/>
+        <p:cNvGrpSpPr/>
+        <p:nvPr/>
+      </p:nvGrpSpPr>
+      <p:grpSpPr>
+        <a:xfrm>
+          <a:off x="0" y="0"/>
+          <a:ext cx="0" cy="0"/>
+          <a:chOff x="0" y="0"/>
+          <a:chExt cx="0" cy="0"/>
+        </a:xfrm>
+      </p:grpSpPr>
+      <p:sp>
+        <p:nvSpPr>
+          <p:cNvPr id="2" name="Slide Image Placeholder 1"/>
+          <p:cNvSpPr>
+            <a:spLocks noGrp="1" noRot="1" noChangeAspect="1"/>
+          </p:cNvSpPr>
+          <p:nvPr>
+            <p:ph type="sldImg"/>
+          </p:nvPr>
+        </p:nvSpPr>
+        <p:spPr/>
+      </p:sp>
+      <p:sp>
+        <p:nvSpPr>
+          <p:cNvPr id="3" name="Notes Placeholder 2"/>
+          <p:cNvSpPr>
+            <a:spLocks noGrp="1"/>
+          </p:cNvSpPr>
+          <p:nvPr>
+            <p:ph type="body" idx="1"/>
+          </p:nvPr>
+        </p:nvSpPr>
+        <p:spPr/>
+        <p:txBody>
+          <a:bodyPr>
+            <a:normAutofit/>
+          </a:bodyPr>
+          <a:lstStyle/>
+          <a:p>
+            <a:endParaRPr lang="en-US"/>
+          </a:p>
+        </p:txBody>
+      </p:sp>
+      <p:sp>
+        <p:nvSpPr>
+          <p:cNvPr id="4" name="Slide Number Placeholder 3"/>
+          <p:cNvSpPr>
+            <a:spLocks noGrp="1"/>
+          </p:cNvSpPr>
+          <p:nvPr>
+            <p:ph type="sldNum" sz="quarter" idx="10"/>
+          </p:nvPr>
+        </p:nvSpPr>
+        <p:spPr/>
+        <p:txBody>
+          <a:bodyPr/>
+          <a:lstStyle/>
+          <a:p>
+            <a:fld id="{E23B5224-01A0-3D41-A0A8-04A6E56E8C93}" type="slidenum">
+              <a:rPr lang="en-US" smtClean="0"/>
+              <a:pPr/>
+              <a:t>8</a:t>
+            </a:fld>
+            <a:endParaRPr lang="en-US"/>
+          </a:p>
+        </p:txBody>
+      </p:sp>
+    </p:spTree>
+  </p:cSld>
+  <p:clrMapOvr>
+    <a:masterClrMapping/>
+  </p:clrMapOvr>
+</p:notes>
+</file>
+
+<file path=ppt/notesSlides/notesSlide9.xml><?xml version="1.0" encoding="utf-8"?>
+<p:notes xmlns:a="http://schemas.openxmlformats.org/drawingml/2006/main" xmlns:r="http://schemas.openxmlformats.org/officeDocument/2006/relationships" xmlns:p="http://schemas.openxmlformats.org/presentationml/2006/main">
+  <p:cSld>
+    <p:spTree>
+      <p:nvGrpSpPr>
+        <p:cNvPr id="1" name=""/>
+        <p:cNvGrpSpPr/>
+        <p:nvPr/>
+      </p:nvGrpSpPr>
+      <p:grpSpPr>
+        <a:xfrm>
+          <a:off x="0" y="0"/>
+          <a:ext cx="0" cy="0"/>
+          <a:chOff x="0" y="0"/>
+          <a:chExt cx="0" cy="0"/>
+        </a:xfrm>
+      </p:grpSpPr>
+      <p:sp>
+        <p:nvSpPr>
+          <p:cNvPr id="2" name="Slide Image Placeholder 1"/>
+          <p:cNvSpPr>
+            <a:spLocks noGrp="1" noRot="1" noChangeAspect="1"/>
+          </p:cNvSpPr>
+          <p:nvPr>
+            <p:ph type="sldImg"/>
+          </p:nvPr>
+        </p:nvSpPr>
+        <p:spPr/>
+      </p:sp>
+      <p:sp>
+        <p:nvSpPr>
+          <p:cNvPr id="3" name="Notes Placeholder 2"/>
+          <p:cNvSpPr>
+            <a:spLocks noGrp="1"/>
+          </p:cNvSpPr>
+          <p:nvPr>
+            <p:ph type="body" idx="1"/>
+          </p:nvPr>
+        </p:nvSpPr>
+        <p:spPr/>
+        <p:txBody>
+          <a:bodyPr>
+            <a:normAutofit/>
+          </a:bodyPr>
+          <a:lstStyle/>
+          <a:p>
+            <a:endParaRPr lang="en-US"/>
+          </a:p>
+        </p:txBody>
+      </p:sp>
+      <p:sp>
+        <p:nvSpPr>
+          <p:cNvPr id="4" name="Slide Number Placeholder 3"/>
+          <p:cNvSpPr>
+            <a:spLocks noGrp="1"/>
+          </p:cNvSpPr>
+          <p:nvPr>
+            <p:ph type="sldNum" sz="quarter" idx="10"/>
+          </p:nvPr>
+        </p:nvSpPr>
+        <p:spPr/>
+        <p:txBody>
+          <a:bodyPr/>
+          <a:lstStyle/>
+          <a:p>
+            <a:fld id="{E23B5224-01A0-3D41-A0A8-04A6E56E8C93}" type="slidenum">
+              <a:rPr lang="en-US" smtClean="0"/>
+              <a:pPr/>
+              <a:t>9</a:t>
+            </a:fld>
+            <a:endParaRPr lang="en-US"/>
+          </a:p>
+        </p:txBody>
+      </p:sp>
+    </p:spTree>
+  </p:cSld>
+  <p:clrMapOvr>
+    <a:masterClrMapping/>
+  </p:clrMapOvr>
+</p:notes>
+</file>
+
 <file path=ppt/slideLayouts/slideLayout1.xml><?xml version="1.0" encoding="utf-8"?>
-<p:sldLayout xmlns:a="http://schemas.openxmlformats.org/drawingml/2006/main" xmlns:r="http://schemas.openxmlformats.org/officeDocument/2006/relationships" xmlns:mc="http://schemas.openxmlformats.org/markup-compatibility/2006" xmlns:mv="urn:schemas-microsoft-com:mac:vml" xmlns:p="http://schemas.openxmlformats.org/presentationml/2006/main" mc:Ignorable="mv" mc:PreserveAttributes="mv:*" type="title" preserve="1">
+<p:sldLayout xmlns:a="http://schemas.openxmlformats.org/drawingml/2006/main" xmlns:r="http://schemas.openxmlformats.org/officeDocument/2006/relationships" xmlns:p="http://schemas.openxmlformats.org/presentationml/2006/main" type="title" preserve="1">
   <p:cSld name="Diapositive de titre">
     <p:spTree>
       <p:nvGrpSpPr>
@@ -886,7 +2035,7 @@
 </file>
 
 <file path=ppt/slideLayouts/slideLayout10.xml><?xml version="1.0" encoding="utf-8"?>
-<p:sldLayout xmlns:a="http://schemas.openxmlformats.org/drawingml/2006/main" xmlns:r="http://schemas.openxmlformats.org/officeDocument/2006/relationships" xmlns:mc="http://schemas.openxmlformats.org/markup-compatibility/2006" xmlns:mv="urn:schemas-microsoft-com:mac:vml" xmlns:p="http://schemas.openxmlformats.org/presentationml/2006/main" mc:Ignorable="mv" mc:PreserveAttributes="mv:*" type="vertTx" preserve="1">
+<p:sldLayout xmlns:a="http://schemas.openxmlformats.org/drawingml/2006/main" xmlns:r="http://schemas.openxmlformats.org/officeDocument/2006/relationships" xmlns:p="http://schemas.openxmlformats.org/presentationml/2006/main" type="vertTx" preserve="1">
   <p:cSld name="Titre et texte vertical">
     <p:spTree>
       <p:nvGrpSpPr>
@@ -1064,7 +2213,7 @@
 </file>
 
 <file path=ppt/slideLayouts/slideLayout11.xml><?xml version="1.0" encoding="utf-8"?>
-<p:sldLayout xmlns:a="http://schemas.openxmlformats.org/drawingml/2006/main" xmlns:r="http://schemas.openxmlformats.org/officeDocument/2006/relationships" xmlns:mc="http://schemas.openxmlformats.org/markup-compatibility/2006" xmlns:mv="urn:schemas-microsoft-com:mac:vml" xmlns:p="http://schemas.openxmlformats.org/presentationml/2006/main" mc:Ignorable="mv" mc:PreserveAttributes="mv:*" type="vertTitleAndTx" preserve="1">
+<p:sldLayout xmlns:a="http://schemas.openxmlformats.org/drawingml/2006/main" xmlns:r="http://schemas.openxmlformats.org/officeDocument/2006/relationships" xmlns:p="http://schemas.openxmlformats.org/presentationml/2006/main" type="vertTitleAndTx" preserve="1">
   <p:cSld name="Titre vertical et texte">
     <p:spTree>
       <p:nvGrpSpPr>
@@ -1252,7 +2401,7 @@
 </file>
 
 <file path=ppt/slideLayouts/slideLayout2.xml><?xml version="1.0" encoding="utf-8"?>
-<p:sldLayout xmlns:a="http://schemas.openxmlformats.org/drawingml/2006/main" xmlns:r="http://schemas.openxmlformats.org/officeDocument/2006/relationships" xmlns:mc="http://schemas.openxmlformats.org/markup-compatibility/2006" xmlns:mv="urn:schemas-microsoft-com:mac:vml" xmlns:p="http://schemas.openxmlformats.org/presentationml/2006/main" mc:Ignorable="mv" mc:PreserveAttributes="mv:*" type="obj" preserve="1">
+<p:sldLayout xmlns:a="http://schemas.openxmlformats.org/drawingml/2006/main" xmlns:r="http://schemas.openxmlformats.org/officeDocument/2006/relationships" xmlns:p="http://schemas.openxmlformats.org/presentationml/2006/main" type="obj" preserve="1">
   <p:cSld name="Titre et contenu">
     <p:spTree>
       <p:nvGrpSpPr>
@@ -1492,7 +2641,7 @@
 </file>
 
 <file path=ppt/slideLayouts/slideLayout3.xml><?xml version="1.0" encoding="utf-8"?>
-<p:sldLayout xmlns:a="http://schemas.openxmlformats.org/drawingml/2006/main" xmlns:r="http://schemas.openxmlformats.org/officeDocument/2006/relationships" xmlns:mc="http://schemas.openxmlformats.org/markup-compatibility/2006" xmlns:mv="urn:schemas-microsoft-com:mac:vml" xmlns:p="http://schemas.openxmlformats.org/presentationml/2006/main" mc:Ignorable="mv" mc:PreserveAttributes="mv:*" type="secHead" preserve="1">
+<p:sldLayout xmlns:a="http://schemas.openxmlformats.org/drawingml/2006/main" xmlns:r="http://schemas.openxmlformats.org/officeDocument/2006/relationships" xmlns:p="http://schemas.openxmlformats.org/presentationml/2006/main" type="secHead" preserve="1">
   <p:cSld name="Titre de section">
     <p:spTree>
       <p:nvGrpSpPr>
@@ -1746,7 +2895,7 @@
 </file>
 
 <file path=ppt/slideLayouts/slideLayout4.xml><?xml version="1.0" encoding="utf-8"?>
-<p:sldLayout xmlns:a="http://schemas.openxmlformats.org/drawingml/2006/main" xmlns:r="http://schemas.openxmlformats.org/officeDocument/2006/relationships" xmlns:mc="http://schemas.openxmlformats.org/markup-compatibility/2006" xmlns:mv="urn:schemas-microsoft-com:mac:vml" xmlns:p="http://schemas.openxmlformats.org/presentationml/2006/main" mc:Ignorable="mv" mc:PreserveAttributes="mv:*" type="twoObj" preserve="1">
+<p:sldLayout xmlns:a="http://schemas.openxmlformats.org/drawingml/2006/main" xmlns:r="http://schemas.openxmlformats.org/officeDocument/2006/relationships" xmlns:p="http://schemas.openxmlformats.org/presentationml/2006/main" type="twoObj" preserve="1">
   <p:cSld name="Deux contenus">
     <p:spTree>
       <p:nvGrpSpPr>
@@ -2042,7 +3191,7 @@
 </file>
 
 <file path=ppt/slideLayouts/slideLayout5.xml><?xml version="1.0" encoding="utf-8"?>
-<p:sldLayout xmlns:a="http://schemas.openxmlformats.org/drawingml/2006/main" xmlns:r="http://schemas.openxmlformats.org/officeDocument/2006/relationships" xmlns:mc="http://schemas.openxmlformats.org/markup-compatibility/2006" xmlns:mv="urn:schemas-microsoft-com:mac:vml" xmlns:p="http://schemas.openxmlformats.org/presentationml/2006/main" mc:Ignorable="mv" mc:PreserveAttributes="mv:*" type="twoTxTwoObj" preserve="1">
+<p:sldLayout xmlns:a="http://schemas.openxmlformats.org/drawingml/2006/main" xmlns:r="http://schemas.openxmlformats.org/officeDocument/2006/relationships" xmlns:p="http://schemas.openxmlformats.org/presentationml/2006/main" type="twoTxTwoObj" preserve="1">
   <p:cSld name="Comparaison">
     <p:spTree>
       <p:nvGrpSpPr>
@@ -2472,7 +3621,7 @@
 </file>
 
 <file path=ppt/slideLayouts/slideLayout6.xml><?xml version="1.0" encoding="utf-8"?>
-<p:sldLayout xmlns:a="http://schemas.openxmlformats.org/drawingml/2006/main" xmlns:r="http://schemas.openxmlformats.org/officeDocument/2006/relationships" xmlns:mc="http://schemas.openxmlformats.org/markup-compatibility/2006" xmlns:mv="urn:schemas-microsoft-com:mac:vml" xmlns:p="http://schemas.openxmlformats.org/presentationml/2006/main" mc:Ignorable="mv" mc:PreserveAttributes="mv:*" type="titleOnly" preserve="1">
+<p:sldLayout xmlns:a="http://schemas.openxmlformats.org/drawingml/2006/main" xmlns:r="http://schemas.openxmlformats.org/officeDocument/2006/relationships" xmlns:p="http://schemas.openxmlformats.org/presentationml/2006/main" type="titleOnly" preserve="1">
   <p:cSld name="Titre seul">
     <p:spTree>
       <p:nvGrpSpPr>
@@ -2598,7 +3747,7 @@
 </file>
 
 <file path=ppt/slideLayouts/slideLayout7.xml><?xml version="1.0" encoding="utf-8"?>
-<p:sldLayout xmlns:a="http://schemas.openxmlformats.org/drawingml/2006/main" xmlns:r="http://schemas.openxmlformats.org/officeDocument/2006/relationships" xmlns:mc="http://schemas.openxmlformats.org/markup-compatibility/2006" xmlns:mv="urn:schemas-microsoft-com:mac:vml" xmlns:p="http://schemas.openxmlformats.org/presentationml/2006/main" mc:Ignorable="mv" mc:PreserveAttributes="mv:*" type="blank" preserve="1">
+<p:sldLayout xmlns:a="http://schemas.openxmlformats.org/drawingml/2006/main" xmlns:r="http://schemas.openxmlformats.org/officeDocument/2006/relationships" xmlns:p="http://schemas.openxmlformats.org/presentationml/2006/main" type="blank" preserve="1">
   <p:cSld name="Vide">
     <p:spTree>
       <p:nvGrpSpPr>
@@ -2701,7 +3850,7 @@
 </file>
 
 <file path=ppt/slideLayouts/slideLayout8.xml><?xml version="1.0" encoding="utf-8"?>
-<p:sldLayout xmlns:a="http://schemas.openxmlformats.org/drawingml/2006/main" xmlns:r="http://schemas.openxmlformats.org/officeDocument/2006/relationships" xmlns:mc="http://schemas.openxmlformats.org/markup-compatibility/2006" xmlns:mv="urn:schemas-microsoft-com:mac:vml" xmlns:p="http://schemas.openxmlformats.org/presentationml/2006/main" mc:Ignorable="mv" mc:PreserveAttributes="mv:*" type="objTx" preserve="1">
+<p:sldLayout xmlns:a="http://schemas.openxmlformats.org/drawingml/2006/main" xmlns:r="http://schemas.openxmlformats.org/officeDocument/2006/relationships" xmlns:p="http://schemas.openxmlformats.org/presentationml/2006/main" type="objTx" preserve="1">
   <p:cSld name="Contenu avec légende">
     <p:spTree>
       <p:nvGrpSpPr>
@@ -2986,7 +4135,7 @@
 </file>
 
 <file path=ppt/slideLayouts/slideLayout9.xml><?xml version="1.0" encoding="utf-8"?>
-<p:sldLayout xmlns:a="http://schemas.openxmlformats.org/drawingml/2006/main" xmlns:r="http://schemas.openxmlformats.org/officeDocument/2006/relationships" xmlns:mc="http://schemas.openxmlformats.org/markup-compatibility/2006" xmlns:mv="urn:schemas-microsoft-com:mac:vml" xmlns:p="http://schemas.openxmlformats.org/presentationml/2006/main" mc:Ignorable="mv" mc:PreserveAttributes="mv:*" type="picTx" preserve="1">
+<p:sldLayout xmlns:a="http://schemas.openxmlformats.org/drawingml/2006/main" xmlns:r="http://schemas.openxmlformats.org/officeDocument/2006/relationships" xmlns:p="http://schemas.openxmlformats.org/presentationml/2006/main" type="picTx" preserve="1">
   <p:cSld name="Image avec légende">
     <p:spTree>
       <p:nvGrpSpPr>
@@ -3254,7 +4403,7 @@
 </file>
 
 <file path=ppt/slideMasters/slideMaster1.xml><?xml version="1.0" encoding="utf-8"?>
-<p:sldMaster xmlns:a="http://schemas.openxmlformats.org/drawingml/2006/main" xmlns:r="http://schemas.openxmlformats.org/officeDocument/2006/relationships" xmlns:mc="http://schemas.openxmlformats.org/markup-compatibility/2006" xmlns:mv="urn:schemas-microsoft-com:mac:vml" xmlns:p="http://schemas.openxmlformats.org/presentationml/2006/main" mc:Ignorable="mv" mc:PreserveAttributes="mv:*">
+<p:sldMaster xmlns:a="http://schemas.openxmlformats.org/drawingml/2006/main" xmlns:r="http://schemas.openxmlformats.org/officeDocument/2006/relationships" xmlns:p="http://schemas.openxmlformats.org/presentationml/2006/main">
   <p:cSld>
     <p:bg>
       <p:bgRef idx="1001">
@@ -3944,7 +5093,7 @@
 </file>
 
 <file path=ppt/slides/slide1.xml><?xml version="1.0" encoding="utf-8"?>
-<p:sld xmlns:a="http://schemas.openxmlformats.org/drawingml/2006/main" xmlns:r="http://schemas.openxmlformats.org/officeDocument/2006/relationships" xmlns:mc="http://schemas.openxmlformats.org/markup-compatibility/2006" xmlns:mv="urn:schemas-microsoft-com:mac:vml" xmlns:p="http://schemas.openxmlformats.org/presentationml/2006/main" mc:Ignorable="mv" mc:PreserveAttributes="mv:*">
+<p:sld xmlns:a="http://schemas.openxmlformats.org/drawingml/2006/main" xmlns:r="http://schemas.openxmlformats.org/officeDocument/2006/relationships" xmlns:p="http://schemas.openxmlformats.org/presentationml/2006/main">
   <p:cSld>
     <p:spTree>
       <p:nvGrpSpPr>
@@ -4018,15 +5167,7 @@
           <a:p>
             <a:r>
               <a:rPr lang="en-US" dirty="0" err="1" smtClean="0"/>
-              <a:t>Palash</a:t>
-            </a:r>
-            <a:r>
-              <a:rPr lang="en-US" dirty="0" smtClean="0"/>
-              <a:t> </a:t>
-            </a:r>
-            <a:r>
-              <a:rPr lang="en-US" dirty="0" err="1" smtClean="0"/>
-              <a:t>Verma</a:t>
+              <a:t>PalashVerma</a:t>
             </a:r>
             <a:endParaRPr lang="en-US" dirty="0"/>
           </a:p>
@@ -4048,7 +5189,7 @@
 </file>
 
 <file path=ppt/slides/slide10.xml><?xml version="1.0" encoding="utf-8"?>
-<p:sld xmlns:a="http://schemas.openxmlformats.org/drawingml/2006/main" xmlns:r="http://schemas.openxmlformats.org/officeDocument/2006/relationships" xmlns:mc="http://schemas.openxmlformats.org/markup-compatibility/2006" xmlns:mv="urn:schemas-microsoft-com:mac:vml" xmlns:p="http://schemas.openxmlformats.org/presentationml/2006/main" mc:Ignorable="mv" mc:PreserveAttributes="mv:*">
+<p:sld xmlns:a="http://schemas.openxmlformats.org/drawingml/2006/main" xmlns:r="http://schemas.openxmlformats.org/officeDocument/2006/relationships" xmlns:p="http://schemas.openxmlformats.org/presentationml/2006/main">
   <p:cSld>
     <p:spTree>
       <p:nvGrpSpPr>
@@ -4081,7 +5222,7 @@
           <a:p>
             <a:r>
               <a:rPr lang="en-US" dirty="0" smtClean="0"/>
-              <a:t>Functionality: Objects</a:t>
+              <a:t>Geography </a:t>
             </a:r>
             <a:endParaRPr lang="en-US" dirty="0"/>
           </a:p>
@@ -4102,25 +5243,6 @@
           <a:bodyPr/>
           <a:lstStyle/>
           <a:p>
-            <a:r>
-              <a:rPr lang="en-US" dirty="0" smtClean="0"/>
-              <a:t>Motion Sensors</a:t>
-            </a:r>
-          </a:p>
-          <a:p>
-            <a:endParaRPr lang="en-US" dirty="0" smtClean="0"/>
-          </a:p>
-          <a:p>
-            <a:endParaRPr lang="en-US" dirty="0" smtClean="0"/>
-          </a:p>
-          <a:p>
-            <a:endParaRPr lang="en-US" dirty="0" smtClean="0"/>
-          </a:p>
-          <a:p>
-            <a:r>
-              <a:rPr lang="en-US" dirty="0" smtClean="0"/>
-              <a:t>Security Keypad</a:t>
-            </a:r>
             <a:endParaRPr lang="en-US" dirty="0"/>
           </a:p>
         </p:txBody>
@@ -4157,1460 +5279,7 @@
           <p:nvPr/>
         </p:nvPicPr>
         <p:blipFill>
-          <a:blip r:embed="rId2"/>
-          <a:stretch>
-            <a:fillRect/>
-          </a:stretch>
-        </p:blipFill>
-        <p:spPr>
-          <a:xfrm>
-            <a:off x="3877734" y="2345269"/>
-            <a:ext cx="1388531" cy="1388531"/>
-          </a:xfrm>
-          <a:prstGeom prst="rect">
-            <a:avLst/>
-          </a:prstGeom>
-          <a:ln w="38100" cap="flat" cmpd="sng" algn="ctr">
-            <a:solidFill>
-              <a:srgbClr val="008000"/>
-            </a:solidFill>
-            <a:prstDash val="solid"/>
-            <a:round/>
-            <a:headEnd type="none" w="med" len="med"/>
-            <a:tailEnd type="none" w="med" len="med"/>
-          </a:ln>
-        </p:spPr>
-      </p:pic>
-      <p:pic>
-        <p:nvPicPr>
-          <p:cNvPr id="6" name="Picture 5"/>
-          <p:cNvPicPr>
-            <a:picLocks noChangeAspect="1"/>
-          </p:cNvPicPr>
-          <p:nvPr/>
-        </p:nvPicPr>
-        <p:blipFill>
           <a:blip r:embed="rId3"/>
-          <a:stretch>
-            <a:fillRect/>
-          </a:stretch>
-        </p:blipFill>
-        <p:spPr>
-          <a:xfrm>
-            <a:off x="3779828" y="4724400"/>
-            <a:ext cx="1584344" cy="1593850"/>
-          </a:xfrm>
-          <a:prstGeom prst="rect">
-            <a:avLst/>
-          </a:prstGeom>
-          <a:ln w="38100" cap="flat" cmpd="sng" algn="ctr">
-            <a:solidFill>
-              <a:srgbClr val="008000"/>
-            </a:solidFill>
-            <a:prstDash val="solid"/>
-            <a:round/>
-            <a:headEnd type="none" w="med" len="med"/>
-            <a:tailEnd type="none" w="med" len="med"/>
-          </a:ln>
-        </p:spPr>
-      </p:pic>
-    </p:spTree>
-  </p:cSld>
-  <p:clrMapOvr>
-    <a:masterClrMapping/>
-  </p:clrMapOvr>
-  <p:timing>
-    <p:tnLst>
-      <p:par>
-        <p:cTn id="1" dur="indefinite" restart="never" nodeType="tmRoot"/>
-      </p:par>
-    </p:tnLst>
-  </p:timing>
-</p:sld>
-</file>
-
-<file path=ppt/slides/slide11.xml><?xml version="1.0" encoding="utf-8"?>
-<p:sld xmlns:a="http://schemas.openxmlformats.org/drawingml/2006/main" xmlns:r="http://schemas.openxmlformats.org/officeDocument/2006/relationships" xmlns:mc="http://schemas.openxmlformats.org/markup-compatibility/2006" xmlns:mv="urn:schemas-microsoft-com:mac:vml" xmlns:p="http://schemas.openxmlformats.org/presentationml/2006/main" mc:Ignorable="mv" mc:PreserveAttributes="mv:*">
-  <p:cSld>
-    <p:spTree>
-      <p:nvGrpSpPr>
-        <p:cNvPr id="1" name=""/>
-        <p:cNvGrpSpPr/>
-        <p:nvPr/>
-      </p:nvGrpSpPr>
-      <p:grpSpPr>
-        <a:xfrm>
-          <a:off x="0" y="0"/>
-          <a:ext cx="0" cy="0"/>
-          <a:chOff x="0" y="0"/>
-          <a:chExt cx="0" cy="0"/>
-        </a:xfrm>
-      </p:grpSpPr>
-      <p:sp>
-        <p:nvSpPr>
-          <p:cNvPr id="2" name="Title 1"/>
-          <p:cNvSpPr>
-            <a:spLocks noGrp="1"/>
-          </p:cNvSpPr>
-          <p:nvPr>
-            <p:ph type="title"/>
-          </p:nvPr>
-        </p:nvSpPr>
-        <p:spPr/>
-        <p:txBody>
-          <a:bodyPr/>
-          <a:lstStyle/>
-          <a:p>
-            <a:r>
-              <a:rPr lang="en-US" dirty="0" smtClean="0"/>
-              <a:t>Future Work</a:t>
-            </a:r>
-            <a:endParaRPr lang="en-US" dirty="0"/>
-          </a:p>
-        </p:txBody>
-      </p:sp>
-      <p:sp>
-        <p:nvSpPr>
-          <p:cNvPr id="3" name="Content Placeholder 2"/>
-          <p:cNvSpPr>
-            <a:spLocks noGrp="1"/>
-          </p:cNvSpPr>
-          <p:nvPr>
-            <p:ph idx="1"/>
-          </p:nvPr>
-        </p:nvSpPr>
-        <p:spPr/>
-        <p:txBody>
-          <a:bodyPr/>
-          <a:lstStyle/>
-          <a:p>
-            <a:r>
-              <a:rPr lang="en-US" dirty="0" smtClean="0"/>
-              <a:t>Add a detailed layer to 911 Emergency response system to find the shortest distance of the house from the nearest response team base (maybe in JAVA)</a:t>
-            </a:r>
-          </a:p>
-          <a:p>
-            <a:r>
-              <a:rPr lang="en-US" dirty="0" smtClean="0"/>
-              <a:t>Add more details to the 911 response system to make it more realistic</a:t>
-            </a:r>
-          </a:p>
-        </p:txBody>
-      </p:sp>
-      <p:sp>
-        <p:nvSpPr>
-          <p:cNvPr id="4" name="Footer Placeholder 3"/>
-          <p:cNvSpPr>
-            <a:spLocks noGrp="1"/>
-          </p:cNvSpPr>
-          <p:nvPr>
-            <p:ph type="ftr" sz="quarter" idx="11"/>
-          </p:nvPr>
-        </p:nvSpPr>
-        <p:spPr/>
-        <p:txBody>
-          <a:bodyPr/>
-          <a:lstStyle/>
-          <a:p>
-            <a:r>
-              <a:rPr lang="en-US" smtClean="0"/>
-              <a:t>CS6705: Foundations of AI</a:t>
-            </a:r>
-            <a:endParaRPr lang="en-US"/>
-          </a:p>
-        </p:txBody>
-      </p:sp>
-    </p:spTree>
-  </p:cSld>
-  <p:clrMapOvr>
-    <a:masterClrMapping/>
-  </p:clrMapOvr>
-  <p:timing>
-    <p:tnLst>
-      <p:par>
-        <p:cTn id="1" dur="indefinite" restart="never" nodeType="tmRoot"/>
-      </p:par>
-    </p:tnLst>
-  </p:timing>
-</p:sld>
-</file>
-
-<file path=ppt/slides/slide12.xml><?xml version="1.0" encoding="utf-8"?>
-<p:sld xmlns:a="http://schemas.openxmlformats.org/drawingml/2006/main" xmlns:r="http://schemas.openxmlformats.org/officeDocument/2006/relationships" xmlns:mc="http://schemas.openxmlformats.org/markup-compatibility/2006" xmlns:mv="urn:schemas-microsoft-com:mac:vml" xmlns:p="http://schemas.openxmlformats.org/presentationml/2006/main" mc:Ignorable="mv" mc:PreserveAttributes="mv:*" showMasterSp="0">
-  <p:cSld>
-    <p:spTree>
-      <p:nvGrpSpPr>
-        <p:cNvPr id="1" name=""/>
-        <p:cNvGrpSpPr/>
-        <p:nvPr/>
-      </p:nvGrpSpPr>
-      <p:grpSpPr>
-        <a:xfrm>
-          <a:off x="0" y="0"/>
-          <a:ext cx="0" cy="0"/>
-          <a:chOff x="0" y="0"/>
-          <a:chExt cx="0" cy="0"/>
-        </a:xfrm>
-      </p:grpSpPr>
-      <p:pic>
-        <p:nvPicPr>
-          <p:cNvPr id="1026" name="Picture 2" descr="C:\Users\Viper\Documents\UNB-Courses\AI\unb-ai\Project\firstDiagram.png"/>
-          <p:cNvPicPr>
-            <a:picLocks noChangeAspect="1" noChangeArrowheads="1"/>
-          </p:cNvPicPr>
-          <p:nvPr/>
-        </p:nvPicPr>
-        <p:blipFill>
-          <a:blip r:embed="rId2"/>
-          <a:srcRect/>
-          <a:stretch>
-            <a:fillRect/>
-          </a:stretch>
-        </p:blipFill>
-        <p:spPr bwMode="auto">
-          <a:xfrm>
-            <a:off x="137746" y="914400"/>
-            <a:ext cx="8853854" cy="4343400"/>
-          </a:xfrm>
-          <a:prstGeom prst="rect">
-            <a:avLst/>
-          </a:prstGeom>
-          <a:noFill/>
-        </p:spPr>
-      </p:pic>
-      <p:sp>
-        <p:nvSpPr>
-          <p:cNvPr id="3" name="Footer Placeholder 2"/>
-          <p:cNvSpPr>
-            <a:spLocks noGrp="1"/>
-          </p:cNvSpPr>
-          <p:nvPr>
-            <p:ph type="ftr" sz="quarter" idx="11"/>
-          </p:nvPr>
-        </p:nvSpPr>
-        <p:spPr/>
-        <p:txBody>
-          <a:bodyPr/>
-          <a:lstStyle/>
-          <a:p>
-            <a:r>
-              <a:rPr lang="en-US" smtClean="0"/>
-              <a:t>CS6705: Foundations of AI</a:t>
-            </a:r>
-            <a:endParaRPr lang="en-US"/>
-          </a:p>
-        </p:txBody>
-      </p:sp>
-    </p:spTree>
-  </p:cSld>
-  <p:clrMapOvr>
-    <a:masterClrMapping/>
-  </p:clrMapOvr>
-  <p:timing>
-    <p:tnLst>
-      <p:par>
-        <p:cTn id="1" dur="indefinite" restart="never" nodeType="tmRoot"/>
-      </p:par>
-    </p:tnLst>
-  </p:timing>
-</p:sld>
-</file>
-
-<file path=ppt/slides/slide13.xml><?xml version="1.0" encoding="utf-8"?>
-<p:sld xmlns:a="http://schemas.openxmlformats.org/drawingml/2006/main" xmlns:r="http://schemas.openxmlformats.org/officeDocument/2006/relationships" xmlns:mc="http://schemas.openxmlformats.org/markup-compatibility/2006" xmlns:mv="urn:schemas-microsoft-com:mac:vml" xmlns:p="http://schemas.openxmlformats.org/presentationml/2006/main" mc:Ignorable="mv" mc:PreserveAttributes="mv:*">
-  <p:cSld>
-    <p:spTree>
-      <p:nvGrpSpPr>
-        <p:cNvPr id="1" name=""/>
-        <p:cNvGrpSpPr/>
-        <p:nvPr/>
-      </p:nvGrpSpPr>
-      <p:grpSpPr>
-        <a:xfrm>
-          <a:off x="0" y="0"/>
-          <a:ext cx="0" cy="0"/>
-          <a:chOff x="0" y="0"/>
-          <a:chExt cx="0" cy="0"/>
-        </a:xfrm>
-      </p:grpSpPr>
-      <p:sp>
-        <p:nvSpPr>
-          <p:cNvPr id="2" name="Footer Placeholder 1"/>
-          <p:cNvSpPr>
-            <a:spLocks noGrp="1"/>
-          </p:cNvSpPr>
-          <p:nvPr>
-            <p:ph type="ftr" sz="quarter" idx="11"/>
-          </p:nvPr>
-        </p:nvSpPr>
-        <p:spPr/>
-        <p:txBody>
-          <a:bodyPr/>
-          <a:lstStyle/>
-          <a:p>
-            <a:r>
-              <a:rPr lang="en-US" smtClean="0"/>
-              <a:t>CS6705: Foundations of AI</a:t>
-            </a:r>
-            <a:endParaRPr lang="en-US"/>
-          </a:p>
-        </p:txBody>
-      </p:sp>
-      <p:sp>
-        <p:nvSpPr>
-          <p:cNvPr id="3" name="TextBox 2"/>
-          <p:cNvSpPr txBox="1"/>
-          <p:nvPr/>
-        </p:nvSpPr>
-        <p:spPr>
-          <a:xfrm>
-            <a:off x="1490134" y="2962870"/>
-            <a:ext cx="6172200" cy="923330"/>
-          </a:xfrm>
-          <a:prstGeom prst="rect">
-            <a:avLst/>
-          </a:prstGeom>
-          <a:noFill/>
-        </p:spPr>
-        <p:txBody>
-          <a:bodyPr wrap="square" rtlCol="0">
-            <a:spAutoFit/>
-          </a:bodyPr>
-          <a:lstStyle/>
-          <a:p>
-            <a:pPr algn="ctr"/>
-            <a:r>
-              <a:rPr lang="en-US" sz="5400" dirty="0" smtClean="0">
-                <a:latin typeface="Lithos Pro Black"/>
-                <a:cs typeface="Lithos Pro Black"/>
-              </a:rPr>
-              <a:t>Questions</a:t>
-            </a:r>
-            <a:endParaRPr lang="en-US" sz="5400" dirty="0">
-              <a:latin typeface="Lithos Pro Black"/>
-              <a:cs typeface="Lithos Pro Black"/>
-            </a:endParaRPr>
-          </a:p>
-        </p:txBody>
-      </p:sp>
-      <p:sp>
-        <p:nvSpPr>
-          <p:cNvPr id="5" name="TextBox 4"/>
-          <p:cNvSpPr txBox="1"/>
-          <p:nvPr/>
-        </p:nvSpPr>
-        <p:spPr>
-          <a:xfrm>
-            <a:off x="7010400" y="1143000"/>
-            <a:ext cx="374974" cy="523220"/>
-          </a:xfrm>
-          <a:prstGeom prst="rect">
-            <a:avLst/>
-          </a:prstGeom>
-          <a:noFill/>
-        </p:spPr>
-        <p:txBody>
-          <a:bodyPr wrap="none" rtlCol="0">
-            <a:spAutoFit/>
-          </a:bodyPr>
-          <a:lstStyle/>
-          <a:p>
-            <a:r>
-              <a:rPr lang="en-US" sz="2800" dirty="0" smtClean="0">
-                <a:latin typeface="Lithos Pro Black"/>
-                <a:cs typeface="Lithos Pro Black"/>
-              </a:rPr>
-              <a:t>?</a:t>
-            </a:r>
-            <a:endParaRPr lang="en-US" sz="2800" dirty="0">
-              <a:latin typeface="Lithos Pro Black"/>
-              <a:cs typeface="Lithos Pro Black"/>
-            </a:endParaRPr>
-          </a:p>
-        </p:txBody>
-      </p:sp>
-      <p:sp>
-        <p:nvSpPr>
-          <p:cNvPr id="6" name="TextBox 5"/>
-          <p:cNvSpPr txBox="1"/>
-          <p:nvPr/>
-        </p:nvSpPr>
-        <p:spPr>
-          <a:xfrm>
-            <a:off x="2971800" y="1524000"/>
-            <a:ext cx="456535" cy="707886"/>
-          </a:xfrm>
-          <a:prstGeom prst="rect">
-            <a:avLst/>
-          </a:prstGeom>
-          <a:noFill/>
-        </p:spPr>
-        <p:txBody>
-          <a:bodyPr wrap="none" rtlCol="0">
-            <a:spAutoFit/>
-          </a:bodyPr>
-          <a:lstStyle/>
-          <a:p>
-            <a:r>
-              <a:rPr lang="en-US" sz="4000" dirty="0" smtClean="0">
-                <a:latin typeface="Lithos Pro Black"/>
-                <a:cs typeface="Lithos Pro Black"/>
-              </a:rPr>
-              <a:t>?</a:t>
-            </a:r>
-            <a:endParaRPr lang="en-US" sz="4000" dirty="0">
-              <a:latin typeface="Lithos Pro Black"/>
-              <a:cs typeface="Lithos Pro Black"/>
-            </a:endParaRPr>
-          </a:p>
-        </p:txBody>
-      </p:sp>
-      <p:sp>
-        <p:nvSpPr>
-          <p:cNvPr id="7" name="TextBox 6"/>
-          <p:cNvSpPr txBox="1"/>
-          <p:nvPr/>
-        </p:nvSpPr>
-        <p:spPr>
-          <a:xfrm>
-            <a:off x="4876800" y="914400"/>
-            <a:ext cx="741998" cy="1354217"/>
-          </a:xfrm>
-          <a:prstGeom prst="rect">
-            <a:avLst/>
-          </a:prstGeom>
-          <a:noFill/>
-        </p:spPr>
-        <p:txBody>
-          <a:bodyPr wrap="none" rtlCol="0">
-            <a:spAutoFit/>
-          </a:bodyPr>
-          <a:lstStyle/>
-          <a:p>
-            <a:r>
-              <a:rPr lang="en-US" sz="8200" dirty="0" smtClean="0">
-                <a:latin typeface="Lithos Pro Black"/>
-                <a:cs typeface="Lithos Pro Black"/>
-              </a:rPr>
-              <a:t>?</a:t>
-            </a:r>
-            <a:endParaRPr lang="en-US" sz="8200" dirty="0">
-              <a:latin typeface="Lithos Pro Black"/>
-              <a:cs typeface="Lithos Pro Black"/>
-            </a:endParaRPr>
-          </a:p>
-        </p:txBody>
-      </p:sp>
-      <p:sp>
-        <p:nvSpPr>
-          <p:cNvPr id="8" name="TextBox 7"/>
-          <p:cNvSpPr txBox="1"/>
-          <p:nvPr/>
-        </p:nvSpPr>
-        <p:spPr>
-          <a:xfrm>
-            <a:off x="2362200" y="4267200"/>
-            <a:ext cx="809965" cy="1508105"/>
-          </a:xfrm>
-          <a:prstGeom prst="rect">
-            <a:avLst/>
-          </a:prstGeom>
-          <a:noFill/>
-        </p:spPr>
-        <p:txBody>
-          <a:bodyPr wrap="none" rtlCol="0">
-            <a:spAutoFit/>
-          </a:bodyPr>
-          <a:lstStyle/>
-          <a:p>
-            <a:r>
-              <a:rPr lang="en-US" sz="9200" dirty="0" smtClean="0">
-                <a:latin typeface="Lithos Pro Black"/>
-                <a:cs typeface="Lithos Pro Black"/>
-              </a:rPr>
-              <a:t>?</a:t>
-            </a:r>
-            <a:endParaRPr lang="en-US" sz="9200" dirty="0">
-              <a:latin typeface="Lithos Pro Black"/>
-              <a:cs typeface="Lithos Pro Black"/>
-            </a:endParaRPr>
-          </a:p>
-        </p:txBody>
-      </p:sp>
-      <p:sp>
-        <p:nvSpPr>
-          <p:cNvPr id="9" name="TextBox 8"/>
-          <p:cNvSpPr txBox="1"/>
-          <p:nvPr/>
-        </p:nvSpPr>
-        <p:spPr>
-          <a:xfrm>
-            <a:off x="6604000" y="2607733"/>
-            <a:ext cx="415755" cy="615553"/>
-          </a:xfrm>
-          <a:prstGeom prst="rect">
-            <a:avLst/>
-          </a:prstGeom>
-          <a:noFill/>
-        </p:spPr>
-        <p:txBody>
-          <a:bodyPr wrap="none" rtlCol="0">
-            <a:spAutoFit/>
-          </a:bodyPr>
-          <a:lstStyle/>
-          <a:p>
-            <a:r>
-              <a:rPr lang="en-US" sz="3300" dirty="0" smtClean="0">
-                <a:latin typeface="Lithos Pro Black"/>
-                <a:cs typeface="Lithos Pro Black"/>
-              </a:rPr>
-              <a:t>?</a:t>
-            </a:r>
-            <a:endParaRPr lang="en-US" sz="3300" dirty="0">
-              <a:latin typeface="Lithos Pro Black"/>
-              <a:cs typeface="Lithos Pro Black"/>
-            </a:endParaRPr>
-          </a:p>
-        </p:txBody>
-      </p:sp>
-      <p:sp>
-        <p:nvSpPr>
-          <p:cNvPr id="10" name="TextBox 9"/>
-          <p:cNvSpPr txBox="1"/>
-          <p:nvPr/>
-        </p:nvSpPr>
-        <p:spPr>
-          <a:xfrm>
-            <a:off x="1447800" y="2362200"/>
-            <a:ext cx="307007" cy="369332"/>
-          </a:xfrm>
-          <a:prstGeom prst="rect">
-            <a:avLst/>
-          </a:prstGeom>
-          <a:noFill/>
-        </p:spPr>
-        <p:txBody>
-          <a:bodyPr wrap="none" rtlCol="0">
-            <a:spAutoFit/>
-          </a:bodyPr>
-          <a:lstStyle/>
-          <a:p>
-            <a:r>
-              <a:rPr lang="en-US" dirty="0" smtClean="0">
-                <a:latin typeface="Lithos Pro Black"/>
-                <a:cs typeface="Lithos Pro Black"/>
-              </a:rPr>
-              <a:t>?</a:t>
-            </a:r>
-            <a:endParaRPr lang="en-US" dirty="0">
-              <a:latin typeface="Lithos Pro Black"/>
-              <a:cs typeface="Lithos Pro Black"/>
-            </a:endParaRPr>
-          </a:p>
-        </p:txBody>
-      </p:sp>
-      <p:sp>
-        <p:nvSpPr>
-          <p:cNvPr id="11" name="TextBox 10"/>
-          <p:cNvSpPr txBox="1"/>
-          <p:nvPr/>
-        </p:nvSpPr>
-        <p:spPr>
-          <a:xfrm>
-            <a:off x="6705600" y="4953000"/>
-            <a:ext cx="300082" cy="307777"/>
-          </a:xfrm>
-          <a:prstGeom prst="rect">
-            <a:avLst/>
-          </a:prstGeom>
-          <a:noFill/>
-        </p:spPr>
-        <p:txBody>
-          <a:bodyPr wrap="none" rtlCol="0">
-            <a:spAutoFit/>
-          </a:bodyPr>
-          <a:lstStyle/>
-          <a:p>
-            <a:r>
-              <a:rPr lang="en-US" sz="1400" dirty="0" smtClean="0">
-                <a:latin typeface="Lithos Pro Black"/>
-                <a:cs typeface="Lithos Pro Black"/>
-              </a:rPr>
-              <a:t>?</a:t>
-            </a:r>
-            <a:endParaRPr lang="en-US" sz="1400" dirty="0">
-              <a:latin typeface="Lithos Pro Black"/>
-              <a:cs typeface="Lithos Pro Black"/>
-            </a:endParaRPr>
-          </a:p>
-        </p:txBody>
-      </p:sp>
-    </p:spTree>
-  </p:cSld>
-  <p:clrMapOvr>
-    <a:masterClrMapping/>
-  </p:clrMapOvr>
-  <p:timing>
-    <p:tnLst>
-      <p:par>
-        <p:cTn id="1" dur="indefinite" restart="never" nodeType="tmRoot"/>
-      </p:par>
-    </p:tnLst>
-  </p:timing>
-</p:sld>
-</file>
-
-<file path=ppt/slides/slide2.xml><?xml version="1.0" encoding="utf-8"?>
-<p:sld xmlns:a="http://schemas.openxmlformats.org/drawingml/2006/main" xmlns:r="http://schemas.openxmlformats.org/officeDocument/2006/relationships" xmlns:mc="http://schemas.openxmlformats.org/markup-compatibility/2006" xmlns:mv="urn:schemas-microsoft-com:mac:vml" xmlns:p="http://schemas.openxmlformats.org/presentationml/2006/main" mc:Ignorable="mv" mc:PreserveAttributes="mv:*">
-  <p:cSld>
-    <p:spTree>
-      <p:nvGrpSpPr>
-        <p:cNvPr id="1" name=""/>
-        <p:cNvGrpSpPr/>
-        <p:nvPr/>
-      </p:nvGrpSpPr>
-      <p:grpSpPr>
-        <a:xfrm>
-          <a:off x="0" y="0"/>
-          <a:ext cx="0" cy="0"/>
-          <a:chOff x="0" y="0"/>
-          <a:chExt cx="0" cy="0"/>
-        </a:xfrm>
-      </p:grpSpPr>
-      <p:sp>
-        <p:nvSpPr>
-          <p:cNvPr id="2" name="Title 1"/>
-          <p:cNvSpPr>
-            <a:spLocks noGrp="1"/>
-          </p:cNvSpPr>
-          <p:nvPr>
-            <p:ph type="title"/>
-          </p:nvPr>
-        </p:nvSpPr>
-        <p:spPr/>
-        <p:txBody>
-          <a:bodyPr/>
-          <a:lstStyle/>
-          <a:p>
-            <a:r>
-              <a:rPr lang="en-US" dirty="0" smtClean="0"/>
-              <a:t>Overview</a:t>
-            </a:r>
-            <a:endParaRPr lang="en-US" dirty="0"/>
-          </a:p>
-        </p:txBody>
-      </p:sp>
-      <p:sp>
-        <p:nvSpPr>
-          <p:cNvPr id="3" name="Content Placeholder 2"/>
-          <p:cNvSpPr>
-            <a:spLocks noGrp="1"/>
-          </p:cNvSpPr>
-          <p:nvPr>
-            <p:ph idx="1"/>
-          </p:nvPr>
-        </p:nvSpPr>
-        <p:spPr/>
-        <p:txBody>
-          <a:bodyPr/>
-          <a:lstStyle/>
-          <a:p>
-            <a:r>
-              <a:rPr lang="en-US" dirty="0" smtClean="0"/>
-              <a:t>Introduction</a:t>
-            </a:r>
-          </a:p>
-          <a:p>
-            <a:r>
-              <a:rPr lang="en-US" dirty="0" smtClean="0"/>
-              <a:t>Goals</a:t>
-            </a:r>
-          </a:p>
-          <a:p>
-            <a:r>
-              <a:rPr lang="en-US" dirty="0" smtClean="0"/>
-              <a:t>Functionality</a:t>
-            </a:r>
-          </a:p>
-          <a:p>
-            <a:pPr lvl="1"/>
-            <a:r>
-              <a:rPr lang="en-US" dirty="0" smtClean="0"/>
-              <a:t>Geography</a:t>
-            </a:r>
-          </a:p>
-          <a:p>
-            <a:pPr lvl="1"/>
-            <a:r>
-              <a:rPr lang="en-US" dirty="0" smtClean="0"/>
-              <a:t>Actors</a:t>
-            </a:r>
-          </a:p>
-          <a:p>
-            <a:pPr lvl="1"/>
-            <a:r>
-              <a:rPr lang="en-US" dirty="0" smtClean="0"/>
-              <a:t>Objects</a:t>
-            </a:r>
-          </a:p>
-          <a:p>
-            <a:r>
-              <a:rPr lang="en-US" dirty="0" smtClean="0"/>
-              <a:t>Future Work</a:t>
-            </a:r>
-          </a:p>
-          <a:p>
-            <a:pPr lvl="1">
-              <a:buNone/>
-            </a:pPr>
-            <a:endParaRPr lang="en-US" dirty="0" smtClean="0"/>
-          </a:p>
-          <a:p>
-            <a:endParaRPr lang="en-US" dirty="0" smtClean="0"/>
-          </a:p>
-          <a:p>
-            <a:endParaRPr lang="en-US" dirty="0"/>
-          </a:p>
-        </p:txBody>
-      </p:sp>
-      <p:sp>
-        <p:nvSpPr>
-          <p:cNvPr id="4" name="Footer Placeholder 3"/>
-          <p:cNvSpPr>
-            <a:spLocks noGrp="1"/>
-          </p:cNvSpPr>
-          <p:nvPr>
-            <p:ph type="ftr" sz="quarter" idx="11"/>
-          </p:nvPr>
-        </p:nvSpPr>
-        <p:spPr/>
-        <p:txBody>
-          <a:bodyPr/>
-          <a:lstStyle/>
-          <a:p>
-            <a:r>
-              <a:rPr lang="en-US" smtClean="0"/>
-              <a:t>CS6705: Foundations of AI</a:t>
-            </a:r>
-            <a:endParaRPr lang="en-US"/>
-          </a:p>
-        </p:txBody>
-      </p:sp>
-    </p:spTree>
-  </p:cSld>
-  <p:clrMapOvr>
-    <a:masterClrMapping/>
-  </p:clrMapOvr>
-  <p:timing>
-    <p:tnLst>
-      <p:par>
-        <p:cTn id="1" dur="indefinite" restart="never" nodeType="tmRoot"/>
-      </p:par>
-    </p:tnLst>
-  </p:timing>
-</p:sld>
-</file>
-
-<file path=ppt/slides/slide3.xml><?xml version="1.0" encoding="utf-8"?>
-<p:sld xmlns:a="http://schemas.openxmlformats.org/drawingml/2006/main" xmlns:r="http://schemas.openxmlformats.org/officeDocument/2006/relationships" xmlns:mc="http://schemas.openxmlformats.org/markup-compatibility/2006" xmlns:mv="urn:schemas-microsoft-com:mac:vml" xmlns:p="http://schemas.openxmlformats.org/presentationml/2006/main" mc:Ignorable="mv" mc:PreserveAttributes="mv:*">
-  <p:cSld>
-    <p:spTree>
-      <p:nvGrpSpPr>
-        <p:cNvPr id="1" name=""/>
-        <p:cNvGrpSpPr/>
-        <p:nvPr/>
-      </p:nvGrpSpPr>
-      <p:grpSpPr>
-        <a:xfrm>
-          <a:off x="0" y="0"/>
-          <a:ext cx="0" cy="0"/>
-          <a:chOff x="0" y="0"/>
-          <a:chExt cx="0" cy="0"/>
-        </a:xfrm>
-      </p:grpSpPr>
-      <p:sp>
-        <p:nvSpPr>
-          <p:cNvPr id="2" name="Title 1"/>
-          <p:cNvSpPr>
-            <a:spLocks noGrp="1"/>
-          </p:cNvSpPr>
-          <p:nvPr>
-            <p:ph type="title"/>
-          </p:nvPr>
-        </p:nvSpPr>
-        <p:spPr/>
-        <p:txBody>
-          <a:bodyPr/>
-          <a:lstStyle/>
-          <a:p>
-            <a:r>
-              <a:rPr lang="en-US" dirty="0" smtClean="0"/>
-              <a:t>Goals</a:t>
-            </a:r>
-            <a:endParaRPr lang="en-US" dirty="0"/>
-          </a:p>
-        </p:txBody>
-      </p:sp>
-      <p:sp>
-        <p:nvSpPr>
-          <p:cNvPr id="3" name="Content Placeholder 2"/>
-          <p:cNvSpPr>
-            <a:spLocks noGrp="1"/>
-          </p:cNvSpPr>
-          <p:nvPr>
-            <p:ph idx="1"/>
-          </p:nvPr>
-        </p:nvSpPr>
-        <p:spPr>
-          <a:xfrm>
-            <a:off x="457200" y="1371600"/>
-            <a:ext cx="8229600" cy="4953000"/>
-          </a:xfrm>
-        </p:spPr>
-        <p:txBody>
-          <a:bodyPr/>
-          <a:lstStyle/>
-          <a:p>
-            <a:r>
-              <a:rPr lang="en-US" dirty="0" smtClean="0"/>
-              <a:t>We aim to</a:t>
-            </a:r>
-            <a:r>
-              <a:rPr lang="en-US" dirty="0" smtClean="0"/>
-              <a:t> see how effective </a:t>
-            </a:r>
-            <a:r>
-              <a:rPr lang="en-US" dirty="0" smtClean="0"/>
-              <a:t>a House Security </a:t>
-            </a:r>
-            <a:r>
-              <a:rPr lang="en-US" dirty="0" smtClean="0"/>
-              <a:t>system would be through </a:t>
-            </a:r>
-            <a:r>
-              <a:rPr lang="en-US" dirty="0" err="1" smtClean="0"/>
-              <a:t>brahms</a:t>
-            </a:r>
-            <a:r>
-              <a:rPr lang="en-US" dirty="0" smtClean="0"/>
-              <a:t> simulation</a:t>
-            </a:r>
-            <a:endParaRPr lang="en-US" dirty="0" smtClean="0"/>
-          </a:p>
-          <a:p>
-            <a:r>
-              <a:rPr lang="en-US" dirty="0" smtClean="0"/>
-              <a:t>We want to create a systematic break-ins by a thief to understand the security loop-holes</a:t>
-            </a:r>
-          </a:p>
-          <a:p>
-            <a:r>
-              <a:rPr lang="en-US" dirty="0" smtClean="0"/>
-              <a:t>We also intend to simulate a 911 emergency response centre (with limited functionality)</a:t>
-            </a:r>
-          </a:p>
-        </p:txBody>
-      </p:sp>
-      <p:sp>
-        <p:nvSpPr>
-          <p:cNvPr id="4" name="Footer Placeholder 3"/>
-          <p:cNvSpPr>
-            <a:spLocks noGrp="1"/>
-          </p:cNvSpPr>
-          <p:nvPr>
-            <p:ph type="ftr" sz="quarter" idx="11"/>
-          </p:nvPr>
-        </p:nvSpPr>
-        <p:spPr/>
-        <p:txBody>
-          <a:bodyPr/>
-          <a:lstStyle/>
-          <a:p>
-            <a:r>
-              <a:rPr lang="en-US" smtClean="0"/>
-              <a:t>CS6705: Foundations of AI</a:t>
-            </a:r>
-            <a:endParaRPr lang="en-US"/>
-          </a:p>
-        </p:txBody>
-      </p:sp>
-    </p:spTree>
-  </p:cSld>
-  <p:clrMapOvr>
-    <a:masterClrMapping/>
-  </p:clrMapOvr>
-  <p:timing>
-    <p:tnLst>
-      <p:par>
-        <p:cTn id="1" dur="indefinite" restart="never" nodeType="tmRoot"/>
-      </p:par>
-    </p:tnLst>
-  </p:timing>
-</p:sld>
-</file>
-
-<file path=ppt/slides/slide4.xml><?xml version="1.0" encoding="utf-8"?>
-<p:sld xmlns:a="http://schemas.openxmlformats.org/drawingml/2006/main" xmlns:r="http://schemas.openxmlformats.org/officeDocument/2006/relationships" xmlns:mc="http://schemas.openxmlformats.org/markup-compatibility/2006" xmlns:mv="urn:schemas-microsoft-com:mac:vml" xmlns:p="http://schemas.openxmlformats.org/presentationml/2006/main" mc:Ignorable="mv" mc:PreserveAttributes="mv:*">
-  <p:cSld>
-    <p:spTree>
-      <p:nvGrpSpPr>
-        <p:cNvPr id="1" name=""/>
-        <p:cNvGrpSpPr/>
-        <p:nvPr/>
-      </p:nvGrpSpPr>
-      <p:grpSpPr>
-        <a:xfrm>
-          <a:off x="0" y="0"/>
-          <a:ext cx="0" cy="0"/>
-          <a:chOff x="0" y="0"/>
-          <a:chExt cx="0" cy="0"/>
-        </a:xfrm>
-      </p:grpSpPr>
-      <p:sp>
-        <p:nvSpPr>
-          <p:cNvPr id="2" name="Title 1"/>
-          <p:cNvSpPr>
-            <a:spLocks noGrp="1"/>
-          </p:cNvSpPr>
-          <p:nvPr>
-            <p:ph type="title"/>
-          </p:nvPr>
-        </p:nvSpPr>
-        <p:spPr/>
-        <p:txBody>
-          <a:bodyPr/>
-          <a:lstStyle/>
-          <a:p>
-            <a:r>
-              <a:rPr lang="en-US" dirty="0" smtClean="0"/>
-              <a:t>Introduction</a:t>
-            </a:r>
-            <a:endParaRPr lang="en-US" dirty="0"/>
-          </a:p>
-        </p:txBody>
-      </p:sp>
-      <p:sp>
-        <p:nvSpPr>
-          <p:cNvPr id="3" name="Content Placeholder 2"/>
-          <p:cNvSpPr>
-            <a:spLocks noGrp="1"/>
-          </p:cNvSpPr>
-          <p:nvPr>
-            <p:ph idx="1"/>
-          </p:nvPr>
-        </p:nvSpPr>
-        <p:spPr/>
-        <p:txBody>
-          <a:bodyPr>
-            <a:normAutofit fontScale="92500" lnSpcReduction="10000"/>
-          </a:bodyPr>
-          <a:lstStyle/>
-          <a:p>
-            <a:r>
-              <a:rPr lang="en-US" dirty="0" smtClean="0"/>
-              <a:t>The home owner installs a security system</a:t>
-            </a:r>
-          </a:p>
-          <a:p>
-            <a:r>
-              <a:rPr lang="en-US" dirty="0" smtClean="0"/>
-              <a:t>The user chooses a security code and a security keyword</a:t>
-            </a:r>
-          </a:p>
-          <a:p>
-            <a:r>
-              <a:rPr lang="en-US" dirty="0" smtClean="0"/>
-              <a:t>The House agent takes inputs from various sensors &amp; also authenticates the house user</a:t>
-            </a:r>
-          </a:p>
-          <a:p>
-            <a:r>
-              <a:rPr lang="en-US" dirty="0" smtClean="0"/>
-              <a:t>activation and deactivation of the security system can be done via the security keypad</a:t>
-            </a:r>
-          </a:p>
-        </p:txBody>
-      </p:sp>
-      <p:sp>
-        <p:nvSpPr>
-          <p:cNvPr id="4" name="Footer Placeholder 3"/>
-          <p:cNvSpPr>
-            <a:spLocks noGrp="1"/>
-          </p:cNvSpPr>
-          <p:nvPr>
-            <p:ph type="ftr" sz="quarter" idx="11"/>
-          </p:nvPr>
-        </p:nvSpPr>
-        <p:spPr/>
-        <p:txBody>
-          <a:bodyPr/>
-          <a:lstStyle/>
-          <a:p>
-            <a:r>
-              <a:rPr lang="en-US" smtClean="0"/>
-              <a:t>CS6705: Foundations of AI</a:t>
-            </a:r>
-            <a:endParaRPr lang="en-US"/>
-          </a:p>
-        </p:txBody>
-      </p:sp>
-    </p:spTree>
-  </p:cSld>
-  <p:clrMapOvr>
-    <a:masterClrMapping/>
-  </p:clrMapOvr>
-  <p:timing>
-    <p:tnLst>
-      <p:par>
-        <p:cTn id="1" dur="indefinite" restart="never" nodeType="tmRoot"/>
-      </p:par>
-    </p:tnLst>
-  </p:timing>
-</p:sld>
-</file>
-
-<file path=ppt/slides/slide5.xml><?xml version="1.0" encoding="utf-8"?>
-<p:sld xmlns:a="http://schemas.openxmlformats.org/drawingml/2006/main" xmlns:r="http://schemas.openxmlformats.org/officeDocument/2006/relationships" xmlns:mc="http://schemas.openxmlformats.org/markup-compatibility/2006" xmlns:mv="urn:schemas-microsoft-com:mac:vml" xmlns:p="http://schemas.openxmlformats.org/presentationml/2006/main" mc:Ignorable="mv" mc:PreserveAttributes="mv:*">
-  <p:cSld>
-    <p:spTree>
-      <p:nvGrpSpPr>
-        <p:cNvPr id="1" name=""/>
-        <p:cNvGrpSpPr/>
-        <p:nvPr/>
-      </p:nvGrpSpPr>
-      <p:grpSpPr>
-        <a:xfrm>
-          <a:off x="0" y="0"/>
-          <a:ext cx="0" cy="0"/>
-          <a:chOff x="0" y="0"/>
-          <a:chExt cx="0" cy="0"/>
-        </a:xfrm>
-      </p:grpSpPr>
-      <p:sp>
-        <p:nvSpPr>
-          <p:cNvPr id="2" name="Title 1"/>
-          <p:cNvSpPr>
-            <a:spLocks noGrp="1"/>
-          </p:cNvSpPr>
-          <p:nvPr>
-            <p:ph type="title"/>
-          </p:nvPr>
-        </p:nvSpPr>
-        <p:spPr/>
-        <p:txBody>
-          <a:bodyPr/>
-          <a:lstStyle/>
-          <a:p>
-            <a:r>
-              <a:rPr lang="en-US" dirty="0" smtClean="0"/>
-              <a:t>Functionality</a:t>
-            </a:r>
-            <a:endParaRPr lang="en-US" dirty="0"/>
-          </a:p>
-        </p:txBody>
-      </p:sp>
-      <p:sp>
-        <p:nvSpPr>
-          <p:cNvPr id="3" name="Content Placeholder 2"/>
-          <p:cNvSpPr>
-            <a:spLocks noGrp="1"/>
-          </p:cNvSpPr>
-          <p:nvPr>
-            <p:ph idx="1"/>
-          </p:nvPr>
-        </p:nvSpPr>
-        <p:spPr/>
-        <p:txBody>
-          <a:bodyPr>
-            <a:normAutofit fontScale="92500" lnSpcReduction="20000"/>
-          </a:bodyPr>
-          <a:lstStyle/>
-          <a:p>
-            <a:r>
-              <a:rPr lang="en-US" dirty="0" smtClean="0"/>
-              <a:t>The motion detectors generates events and communicates with the security system</a:t>
-            </a:r>
-          </a:p>
-          <a:p>
-            <a:r>
-              <a:rPr lang="en-US" dirty="0" smtClean="0"/>
-              <a:t>Events generated by the motion detectors raises an alarm if anything matches one of security systems rules</a:t>
-            </a:r>
-          </a:p>
-          <a:p>
-            <a:r>
-              <a:rPr lang="en-US" dirty="0" smtClean="0"/>
-              <a:t>When an alarm is raised the house system will communicate with the security company and the house user</a:t>
-            </a:r>
-          </a:p>
-          <a:p>
-            <a:endParaRPr lang="en-US" dirty="0"/>
-          </a:p>
-        </p:txBody>
-      </p:sp>
-      <p:sp>
-        <p:nvSpPr>
-          <p:cNvPr id="4" name="Footer Placeholder 3"/>
-          <p:cNvSpPr>
-            <a:spLocks noGrp="1"/>
-          </p:cNvSpPr>
-          <p:nvPr>
-            <p:ph type="ftr" sz="quarter" idx="11"/>
-          </p:nvPr>
-        </p:nvSpPr>
-        <p:spPr/>
-        <p:txBody>
-          <a:bodyPr/>
-          <a:lstStyle/>
-          <a:p>
-            <a:r>
-              <a:rPr lang="en-US" smtClean="0"/>
-              <a:t>CS6705: Foundations of AI</a:t>
-            </a:r>
-            <a:endParaRPr lang="en-US"/>
-          </a:p>
-        </p:txBody>
-      </p:sp>
-    </p:spTree>
-  </p:cSld>
-  <p:clrMapOvr>
-    <a:masterClrMapping/>
-  </p:clrMapOvr>
-  <p:timing>
-    <p:tnLst>
-      <p:par>
-        <p:cTn id="1" dur="indefinite" restart="never" nodeType="tmRoot"/>
-      </p:par>
-    </p:tnLst>
-  </p:timing>
-</p:sld>
-</file>
-
-<file path=ppt/slides/slide6.xml><?xml version="1.0" encoding="utf-8"?>
-<p:sld xmlns:a="http://schemas.openxmlformats.org/drawingml/2006/main" xmlns:r="http://schemas.openxmlformats.org/officeDocument/2006/relationships" xmlns:mc="http://schemas.openxmlformats.org/markup-compatibility/2006" xmlns:mv="urn:schemas-microsoft-com:mac:vml" xmlns:p="http://schemas.openxmlformats.org/presentationml/2006/main" mc:Ignorable="mv" mc:PreserveAttributes="mv:*">
-  <p:cSld>
-    <p:spTree>
-      <p:nvGrpSpPr>
-        <p:cNvPr id="1" name=""/>
-        <p:cNvGrpSpPr/>
-        <p:nvPr/>
-      </p:nvGrpSpPr>
-      <p:grpSpPr>
-        <a:xfrm>
-          <a:off x="0" y="0"/>
-          <a:ext cx="0" cy="0"/>
-          <a:chOff x="0" y="0"/>
-          <a:chExt cx="0" cy="0"/>
-        </a:xfrm>
-      </p:grpSpPr>
-      <p:sp>
-        <p:nvSpPr>
-          <p:cNvPr id="2" name="Title 1"/>
-          <p:cNvSpPr>
-            <a:spLocks noGrp="1"/>
-          </p:cNvSpPr>
-          <p:nvPr>
-            <p:ph type="title"/>
-          </p:nvPr>
-        </p:nvSpPr>
-        <p:spPr/>
-        <p:txBody>
-          <a:bodyPr/>
-          <a:lstStyle/>
-          <a:p>
-            <a:r>
-              <a:rPr lang="en-US" dirty="0" smtClean="0"/>
-              <a:t>Functionality</a:t>
-            </a:r>
-            <a:endParaRPr lang="en-US" dirty="0"/>
-          </a:p>
-        </p:txBody>
-      </p:sp>
-      <p:sp>
-        <p:nvSpPr>
-          <p:cNvPr id="3" name="Content Placeholder 2"/>
-          <p:cNvSpPr>
-            <a:spLocks noGrp="1"/>
-          </p:cNvSpPr>
-          <p:nvPr>
-            <p:ph idx="1"/>
-          </p:nvPr>
-        </p:nvSpPr>
-        <p:spPr/>
-        <p:txBody>
-          <a:bodyPr>
-            <a:normAutofit fontScale="92500" lnSpcReduction="10000"/>
-          </a:bodyPr>
-          <a:lstStyle/>
-          <a:p>
-            <a:r>
-              <a:rPr lang="en-US" dirty="0" smtClean="0"/>
-              <a:t>The security company would in turn call the house user (and authenticate him by using the preselected keyword) and ask if the alarm is legitimate and if so would call 911 response system</a:t>
-            </a:r>
-          </a:p>
-          <a:p>
-            <a:r>
-              <a:rPr lang="en-US" dirty="0" smtClean="0"/>
-              <a:t>911 response system dispatches a security team to the house based on the location and availability of teams, there can be delays</a:t>
-            </a:r>
-          </a:p>
-        </p:txBody>
-      </p:sp>
-      <p:sp>
-        <p:nvSpPr>
-          <p:cNvPr id="4" name="Footer Placeholder 3"/>
-          <p:cNvSpPr>
-            <a:spLocks noGrp="1"/>
-          </p:cNvSpPr>
-          <p:nvPr>
-            <p:ph type="ftr" sz="quarter" idx="11"/>
-          </p:nvPr>
-        </p:nvSpPr>
-        <p:spPr/>
-        <p:txBody>
-          <a:bodyPr/>
-          <a:lstStyle/>
-          <a:p>
-            <a:r>
-              <a:rPr lang="en-US" dirty="0" smtClean="0"/>
-              <a:t>CS6705: Foundations of AI</a:t>
-            </a:r>
-            <a:endParaRPr lang="en-US" dirty="0"/>
-          </a:p>
-        </p:txBody>
-      </p:sp>
-    </p:spTree>
-  </p:cSld>
-  <p:clrMapOvr>
-    <a:masterClrMapping/>
-  </p:clrMapOvr>
-  <p:timing>
-    <p:tnLst>
-      <p:par>
-        <p:cTn id="1" dur="indefinite" restart="never" nodeType="tmRoot"/>
-      </p:par>
-    </p:tnLst>
-  </p:timing>
-</p:sld>
-</file>
-
-<file path=ppt/slides/slide7.xml><?xml version="1.0" encoding="utf-8"?>
-<p:sld xmlns:a="http://schemas.openxmlformats.org/drawingml/2006/main" xmlns:r="http://schemas.openxmlformats.org/officeDocument/2006/relationships" xmlns:mc="http://schemas.openxmlformats.org/markup-compatibility/2006" xmlns:mv="urn:schemas-microsoft-com:mac:vml" xmlns:p="http://schemas.openxmlformats.org/presentationml/2006/main" mc:Ignorable="mv" mc:PreserveAttributes="mv:*">
-  <p:cSld>
-    <p:spTree>
-      <p:nvGrpSpPr>
-        <p:cNvPr id="1" name=""/>
-        <p:cNvGrpSpPr/>
-        <p:nvPr/>
-      </p:nvGrpSpPr>
-      <p:grpSpPr>
-        <a:xfrm>
-          <a:off x="0" y="0"/>
-          <a:ext cx="0" cy="0"/>
-          <a:chOff x="0" y="0"/>
-          <a:chExt cx="0" cy="0"/>
-        </a:xfrm>
-      </p:grpSpPr>
-      <p:sp>
-        <p:nvSpPr>
-          <p:cNvPr id="2" name="Title 1"/>
-          <p:cNvSpPr>
-            <a:spLocks noGrp="1"/>
-          </p:cNvSpPr>
-          <p:nvPr>
-            <p:ph type="title"/>
-          </p:nvPr>
-        </p:nvSpPr>
-        <p:spPr/>
-        <p:txBody>
-          <a:bodyPr/>
-          <a:lstStyle/>
-          <a:p>
-            <a:r>
-              <a:rPr lang="en-US" dirty="0" smtClean="0"/>
-              <a:t>Functionality: Geography</a:t>
-            </a:r>
-            <a:endParaRPr lang="en-US" dirty="0"/>
-          </a:p>
-        </p:txBody>
-      </p:sp>
-      <p:sp>
-        <p:nvSpPr>
-          <p:cNvPr id="3" name="Content Placeholder 2"/>
-          <p:cNvSpPr>
-            <a:spLocks noGrp="1"/>
-          </p:cNvSpPr>
-          <p:nvPr>
-            <p:ph idx="1"/>
-          </p:nvPr>
-        </p:nvSpPr>
-        <p:spPr/>
-        <p:txBody>
-          <a:bodyPr/>
-          <a:lstStyle/>
-          <a:p>
-            <a:r>
-              <a:rPr lang="en-US" dirty="0" smtClean="0"/>
-              <a:t>House – 1: Complete House with details of rooms etc.</a:t>
-            </a:r>
-          </a:p>
-          <a:p>
-            <a:r>
-              <a:rPr lang="en-US" dirty="0" smtClean="0"/>
-              <a:t>House 2&amp;3</a:t>
-            </a:r>
-          </a:p>
-          <a:p>
-            <a:r>
-              <a:rPr lang="en-US" dirty="0" smtClean="0"/>
-              <a:t>Security System’s Agent Office</a:t>
-            </a:r>
-          </a:p>
-          <a:p>
-            <a:r>
-              <a:rPr lang="en-US" dirty="0" smtClean="0"/>
-              <a:t>911 Response Agent’s Office</a:t>
-            </a:r>
-          </a:p>
-          <a:p>
-            <a:r>
-              <a:rPr lang="en-US" dirty="0" smtClean="0"/>
-              <a:t>911 Response Team locations</a:t>
-            </a:r>
-            <a:endParaRPr lang="en-US" dirty="0"/>
-          </a:p>
-        </p:txBody>
-      </p:sp>
-      <p:sp>
-        <p:nvSpPr>
-          <p:cNvPr id="4" name="Footer Placeholder 3"/>
-          <p:cNvSpPr>
-            <a:spLocks noGrp="1"/>
-          </p:cNvSpPr>
-          <p:nvPr>
-            <p:ph type="ftr" sz="quarter" idx="11"/>
-          </p:nvPr>
-        </p:nvSpPr>
-        <p:spPr/>
-        <p:txBody>
-          <a:bodyPr/>
-          <a:lstStyle/>
-          <a:p>
-            <a:r>
-              <a:rPr lang="en-US" smtClean="0"/>
-              <a:t>CS6705: Foundations of AI</a:t>
-            </a:r>
-            <a:endParaRPr lang="en-US"/>
-          </a:p>
-        </p:txBody>
-      </p:sp>
-    </p:spTree>
-  </p:cSld>
-  <p:clrMapOvr>
-    <a:masterClrMapping/>
-  </p:clrMapOvr>
-  <p:timing>
-    <p:tnLst>
-      <p:par>
-        <p:cTn id="1" dur="indefinite" restart="never" nodeType="tmRoot"/>
-      </p:par>
-    </p:tnLst>
-  </p:timing>
-</p:sld>
-</file>
-
-<file path=ppt/slides/slide8.xml><?xml version="1.0" encoding="utf-8"?>
-<p:sld xmlns:a="http://schemas.openxmlformats.org/drawingml/2006/main" xmlns:r="http://schemas.openxmlformats.org/officeDocument/2006/relationships" xmlns:mc="http://schemas.openxmlformats.org/markup-compatibility/2006" xmlns:mv="urn:schemas-microsoft-com:mac:vml" xmlns:p="http://schemas.openxmlformats.org/presentationml/2006/main" mc:Ignorable="mv" mc:PreserveAttributes="mv:*">
-  <p:cSld>
-    <p:spTree>
-      <p:nvGrpSpPr>
-        <p:cNvPr id="1" name=""/>
-        <p:cNvGrpSpPr/>
-        <p:nvPr/>
-      </p:nvGrpSpPr>
-      <p:grpSpPr>
-        <a:xfrm>
-          <a:off x="0" y="0"/>
-          <a:ext cx="0" cy="0"/>
-          <a:chOff x="0" y="0"/>
-          <a:chExt cx="0" cy="0"/>
-        </a:xfrm>
-      </p:grpSpPr>
-      <p:sp>
-        <p:nvSpPr>
-          <p:cNvPr id="2" name="Title 1"/>
-          <p:cNvSpPr>
-            <a:spLocks noGrp="1"/>
-          </p:cNvSpPr>
-          <p:nvPr>
-            <p:ph type="title"/>
-          </p:nvPr>
-        </p:nvSpPr>
-        <p:spPr/>
-        <p:txBody>
-          <a:bodyPr/>
-          <a:lstStyle/>
-          <a:p>
-            <a:r>
-              <a:rPr lang="en-US" dirty="0" smtClean="0"/>
-              <a:t>Geography </a:t>
-            </a:r>
-            <a:endParaRPr lang="en-US" dirty="0"/>
-          </a:p>
-        </p:txBody>
-      </p:sp>
-      <p:sp>
-        <p:nvSpPr>
-          <p:cNvPr id="3" name="Content Placeholder 2"/>
-          <p:cNvSpPr>
-            <a:spLocks noGrp="1"/>
-          </p:cNvSpPr>
-          <p:nvPr>
-            <p:ph idx="1"/>
-          </p:nvPr>
-        </p:nvSpPr>
-        <p:spPr/>
-        <p:txBody>
-          <a:bodyPr/>
-          <a:lstStyle/>
-          <a:p>
-            <a:endParaRPr lang="en-US" dirty="0"/>
-          </a:p>
-        </p:txBody>
-      </p:sp>
-      <p:sp>
-        <p:nvSpPr>
-          <p:cNvPr id="4" name="Footer Placeholder 3"/>
-          <p:cNvSpPr>
-            <a:spLocks noGrp="1"/>
-          </p:cNvSpPr>
-          <p:nvPr>
-            <p:ph type="ftr" sz="quarter" idx="11"/>
-          </p:nvPr>
-        </p:nvSpPr>
-        <p:spPr/>
-        <p:txBody>
-          <a:bodyPr/>
-          <a:lstStyle/>
-          <a:p>
-            <a:r>
-              <a:rPr lang="en-US" smtClean="0"/>
-              <a:t>CS6705: Foundations of AI</a:t>
-            </a:r>
-            <a:endParaRPr lang="en-US"/>
-          </a:p>
-        </p:txBody>
-      </p:sp>
-      <p:pic>
-        <p:nvPicPr>
-          <p:cNvPr id="5" name="Picture 4"/>
-          <p:cNvPicPr>
-            <a:picLocks noChangeAspect="1"/>
-          </p:cNvPicPr>
-          <p:nvPr/>
-        </p:nvPicPr>
-        <p:blipFill>
-          <a:blip r:embed="rId2"/>
           <a:stretch>
             <a:fillRect/>
           </a:stretch>
@@ -5634,7 +5303,7 @@
           <p:nvPr/>
         </p:nvPicPr>
         <p:blipFill>
-          <a:blip r:embed="rId3"/>
+          <a:blip r:embed="rId4"/>
           <a:stretch>
             <a:fillRect/>
           </a:stretch>
@@ -5696,7 +5365,7 @@
           <p:nvPr/>
         </p:nvPicPr>
         <p:blipFill>
-          <a:blip r:embed="rId4"/>
+          <a:blip r:embed="rId5" cstate="print"/>
           <a:stretch>
             <a:fillRect/>
           </a:stretch>
@@ -5729,7 +5398,7 @@
           <p:nvPr/>
         </p:nvPicPr>
         <p:blipFill>
-          <a:blip r:embed="rId4"/>
+          <a:blip r:embed="rId6" cstate="print"/>
           <a:stretch>
             <a:fillRect/>
           </a:stretch>
@@ -6208,8 +5877,8 @@
 </p:sld>
 </file>
 
-<file path=ppt/slides/slide9.xml><?xml version="1.0" encoding="utf-8"?>
-<p:sld xmlns:a="http://schemas.openxmlformats.org/drawingml/2006/main" xmlns:r="http://schemas.openxmlformats.org/officeDocument/2006/relationships" xmlns:mc="http://schemas.openxmlformats.org/markup-compatibility/2006" xmlns:mv="urn:schemas-microsoft-com:mac:vml" xmlns:p="http://schemas.openxmlformats.org/presentationml/2006/main" mc:Ignorable="mv" mc:PreserveAttributes="mv:*">
+<file path=ppt/slides/slide11.xml><?xml version="1.0" encoding="utf-8"?>
+<p:sld xmlns:a="http://schemas.openxmlformats.org/drawingml/2006/main" xmlns:r="http://schemas.openxmlformats.org/officeDocument/2006/relationships" xmlns:p="http://schemas.openxmlformats.org/presentationml/2006/main">
   <p:cSld>
     <p:spTree>
       <p:nvGrpSpPr>
@@ -6293,6 +5962,1617 @@
             </a:r>
           </a:p>
           <a:p>
+            <a:endParaRPr lang="en-US" dirty="0"/>
+          </a:p>
+        </p:txBody>
+      </p:sp>
+      <p:sp>
+        <p:nvSpPr>
+          <p:cNvPr id="4" name="Footer Placeholder 3"/>
+          <p:cNvSpPr>
+            <a:spLocks noGrp="1"/>
+          </p:cNvSpPr>
+          <p:nvPr>
+            <p:ph type="ftr" sz="quarter" idx="11"/>
+          </p:nvPr>
+        </p:nvSpPr>
+        <p:spPr/>
+        <p:txBody>
+          <a:bodyPr/>
+          <a:lstStyle/>
+          <a:p>
+            <a:r>
+              <a:rPr lang="en-US" smtClean="0"/>
+              <a:t>CS6705: Foundations of AI</a:t>
+            </a:r>
+            <a:endParaRPr lang="en-US"/>
+          </a:p>
+        </p:txBody>
+      </p:sp>
+    </p:spTree>
+  </p:cSld>
+  <p:clrMapOvr>
+    <a:masterClrMapping/>
+  </p:clrMapOvr>
+  <p:timing>
+    <p:tnLst>
+      <p:par>
+        <p:cTn id="1" dur="indefinite" restart="never" nodeType="tmRoot"/>
+      </p:par>
+    </p:tnLst>
+  </p:timing>
+</p:sld>
+</file>
+
+<file path=ppt/slides/slide12.xml><?xml version="1.0" encoding="utf-8"?>
+<p:sld xmlns:a="http://schemas.openxmlformats.org/drawingml/2006/main" xmlns:r="http://schemas.openxmlformats.org/officeDocument/2006/relationships" xmlns:p="http://schemas.openxmlformats.org/presentationml/2006/main">
+  <p:cSld>
+    <p:spTree>
+      <p:nvGrpSpPr>
+        <p:cNvPr id="1" name=""/>
+        <p:cNvGrpSpPr/>
+        <p:nvPr/>
+      </p:nvGrpSpPr>
+      <p:grpSpPr>
+        <a:xfrm>
+          <a:off x="0" y="0"/>
+          <a:ext cx="0" cy="0"/>
+          <a:chOff x="0" y="0"/>
+          <a:chExt cx="0" cy="0"/>
+        </a:xfrm>
+      </p:grpSpPr>
+      <p:sp>
+        <p:nvSpPr>
+          <p:cNvPr id="2" name="Title 1"/>
+          <p:cNvSpPr>
+            <a:spLocks noGrp="1"/>
+          </p:cNvSpPr>
+          <p:nvPr>
+            <p:ph type="title"/>
+          </p:nvPr>
+        </p:nvSpPr>
+        <p:spPr/>
+        <p:txBody>
+          <a:bodyPr/>
+          <a:lstStyle/>
+          <a:p>
+            <a:r>
+              <a:rPr lang="en-US" dirty="0" smtClean="0"/>
+              <a:t>Functionality: Objects</a:t>
+            </a:r>
+            <a:endParaRPr lang="en-US" dirty="0"/>
+          </a:p>
+        </p:txBody>
+      </p:sp>
+      <p:sp>
+        <p:nvSpPr>
+          <p:cNvPr id="3" name="Content Placeholder 2"/>
+          <p:cNvSpPr>
+            <a:spLocks noGrp="1"/>
+          </p:cNvSpPr>
+          <p:nvPr>
+            <p:ph idx="1"/>
+          </p:nvPr>
+        </p:nvSpPr>
+        <p:spPr/>
+        <p:txBody>
+          <a:bodyPr/>
+          <a:lstStyle/>
+          <a:p>
+            <a:r>
+              <a:rPr lang="en-US" dirty="0" smtClean="0"/>
+              <a:t>Motion Sensors</a:t>
+            </a:r>
+          </a:p>
+          <a:p>
+            <a:endParaRPr lang="en-US" dirty="0" smtClean="0"/>
+          </a:p>
+          <a:p>
+            <a:endParaRPr lang="en-US" dirty="0" smtClean="0"/>
+          </a:p>
+          <a:p>
+            <a:endParaRPr lang="en-US" dirty="0" smtClean="0"/>
+          </a:p>
+          <a:p>
+            <a:r>
+              <a:rPr lang="en-US" dirty="0" smtClean="0"/>
+              <a:t>Security Keypad</a:t>
+            </a:r>
+            <a:endParaRPr lang="en-US" dirty="0"/>
+          </a:p>
+        </p:txBody>
+      </p:sp>
+      <p:sp>
+        <p:nvSpPr>
+          <p:cNvPr id="4" name="Footer Placeholder 3"/>
+          <p:cNvSpPr>
+            <a:spLocks noGrp="1"/>
+          </p:cNvSpPr>
+          <p:nvPr>
+            <p:ph type="ftr" sz="quarter" idx="11"/>
+          </p:nvPr>
+        </p:nvSpPr>
+        <p:spPr/>
+        <p:txBody>
+          <a:bodyPr/>
+          <a:lstStyle/>
+          <a:p>
+            <a:r>
+              <a:rPr lang="en-US" smtClean="0"/>
+              <a:t>CS6705: Foundations of AI</a:t>
+            </a:r>
+            <a:endParaRPr lang="en-US"/>
+          </a:p>
+        </p:txBody>
+      </p:sp>
+      <p:pic>
+        <p:nvPicPr>
+          <p:cNvPr id="5" name="Picture 4"/>
+          <p:cNvPicPr>
+            <a:picLocks noChangeAspect="1"/>
+          </p:cNvPicPr>
+          <p:nvPr/>
+        </p:nvPicPr>
+        <p:blipFill>
+          <a:blip r:embed="rId3"/>
+          <a:stretch>
+            <a:fillRect/>
+          </a:stretch>
+        </p:blipFill>
+        <p:spPr>
+          <a:xfrm>
+            <a:off x="3877734" y="2345269"/>
+            <a:ext cx="1388531" cy="1388531"/>
+          </a:xfrm>
+          <a:prstGeom prst="rect">
+            <a:avLst/>
+          </a:prstGeom>
+          <a:ln w="38100" cap="flat" cmpd="sng" algn="ctr">
+            <a:solidFill>
+              <a:srgbClr val="008000"/>
+            </a:solidFill>
+            <a:prstDash val="solid"/>
+            <a:round/>
+            <a:headEnd type="none" w="med" len="med"/>
+            <a:tailEnd type="none" w="med" len="med"/>
+          </a:ln>
+        </p:spPr>
+      </p:pic>
+      <p:pic>
+        <p:nvPicPr>
+          <p:cNvPr id="6" name="Picture 5"/>
+          <p:cNvPicPr>
+            <a:picLocks noChangeAspect="1"/>
+          </p:cNvPicPr>
+          <p:nvPr/>
+        </p:nvPicPr>
+        <p:blipFill>
+          <a:blip r:embed="rId4" cstate="print"/>
+          <a:stretch>
+            <a:fillRect/>
+          </a:stretch>
+        </p:blipFill>
+        <p:spPr>
+          <a:xfrm>
+            <a:off x="3779828" y="4724400"/>
+            <a:ext cx="1584344" cy="1593850"/>
+          </a:xfrm>
+          <a:prstGeom prst="rect">
+            <a:avLst/>
+          </a:prstGeom>
+          <a:ln w="38100" cap="flat" cmpd="sng" algn="ctr">
+            <a:solidFill>
+              <a:srgbClr val="008000"/>
+            </a:solidFill>
+            <a:prstDash val="solid"/>
+            <a:round/>
+            <a:headEnd type="none" w="med" len="med"/>
+            <a:tailEnd type="none" w="med" len="med"/>
+          </a:ln>
+        </p:spPr>
+      </p:pic>
+    </p:spTree>
+  </p:cSld>
+  <p:clrMapOvr>
+    <a:masterClrMapping/>
+  </p:clrMapOvr>
+  <p:timing>
+    <p:tnLst>
+      <p:par>
+        <p:cTn id="1" dur="indefinite" restart="never" nodeType="tmRoot"/>
+      </p:par>
+    </p:tnLst>
+  </p:timing>
+</p:sld>
+</file>
+
+<file path=ppt/slides/slide13.xml><?xml version="1.0" encoding="utf-8"?>
+<p:sld xmlns:a="http://schemas.openxmlformats.org/drawingml/2006/main" xmlns:r="http://schemas.openxmlformats.org/officeDocument/2006/relationships" xmlns:p="http://schemas.openxmlformats.org/presentationml/2006/main">
+  <p:cSld>
+    <p:spTree>
+      <p:nvGrpSpPr>
+        <p:cNvPr id="1" name=""/>
+        <p:cNvGrpSpPr/>
+        <p:nvPr/>
+      </p:nvGrpSpPr>
+      <p:grpSpPr>
+        <a:xfrm>
+          <a:off x="0" y="0"/>
+          <a:ext cx="0" cy="0"/>
+          <a:chOff x="0" y="0"/>
+          <a:chExt cx="0" cy="0"/>
+        </a:xfrm>
+      </p:grpSpPr>
+      <p:sp>
+        <p:nvSpPr>
+          <p:cNvPr id="2" name="Title 1"/>
+          <p:cNvSpPr>
+            <a:spLocks noGrp="1"/>
+          </p:cNvSpPr>
+          <p:nvPr>
+            <p:ph type="title"/>
+          </p:nvPr>
+        </p:nvSpPr>
+        <p:spPr/>
+        <p:txBody>
+          <a:bodyPr/>
+          <a:lstStyle/>
+          <a:p>
+            <a:r>
+              <a:rPr lang="en-US" dirty="0" smtClean="0"/>
+              <a:t>Future Work</a:t>
+            </a:r>
+            <a:endParaRPr lang="en-US" dirty="0"/>
+          </a:p>
+        </p:txBody>
+      </p:sp>
+      <p:sp>
+        <p:nvSpPr>
+          <p:cNvPr id="3" name="Content Placeholder 2"/>
+          <p:cNvSpPr>
+            <a:spLocks noGrp="1"/>
+          </p:cNvSpPr>
+          <p:nvPr>
+            <p:ph idx="1"/>
+          </p:nvPr>
+        </p:nvSpPr>
+        <p:spPr/>
+        <p:txBody>
+          <a:bodyPr/>
+          <a:lstStyle/>
+          <a:p>
+            <a:r>
+              <a:rPr lang="en-US" dirty="0" smtClean="0"/>
+              <a:t>Add a detailed layer to 911 Emergency response system to find the shortest distance of the house from the nearest response team base (maybe in JAVA)</a:t>
+            </a:r>
+          </a:p>
+          <a:p>
+            <a:r>
+              <a:rPr lang="en-US" dirty="0" smtClean="0"/>
+              <a:t>Add more details to the 911 response system to make it more realistic</a:t>
+            </a:r>
+          </a:p>
+        </p:txBody>
+      </p:sp>
+      <p:sp>
+        <p:nvSpPr>
+          <p:cNvPr id="4" name="Footer Placeholder 3"/>
+          <p:cNvSpPr>
+            <a:spLocks noGrp="1"/>
+          </p:cNvSpPr>
+          <p:nvPr>
+            <p:ph type="ftr" sz="quarter" idx="11"/>
+          </p:nvPr>
+        </p:nvSpPr>
+        <p:spPr/>
+        <p:txBody>
+          <a:bodyPr/>
+          <a:lstStyle/>
+          <a:p>
+            <a:r>
+              <a:rPr lang="en-US" smtClean="0"/>
+              <a:t>CS6705: Foundations of AI</a:t>
+            </a:r>
+            <a:endParaRPr lang="en-US"/>
+          </a:p>
+        </p:txBody>
+      </p:sp>
+    </p:spTree>
+  </p:cSld>
+  <p:clrMapOvr>
+    <a:masterClrMapping/>
+  </p:clrMapOvr>
+  <p:timing>
+    <p:tnLst>
+      <p:par>
+        <p:cTn id="1" dur="indefinite" restart="never" nodeType="tmRoot"/>
+      </p:par>
+    </p:tnLst>
+  </p:timing>
+</p:sld>
+</file>
+
+<file path=ppt/slides/slide14.xml><?xml version="1.0" encoding="utf-8"?>
+<p:sld xmlns:a="http://schemas.openxmlformats.org/drawingml/2006/main" xmlns:r="http://schemas.openxmlformats.org/officeDocument/2006/relationships" xmlns:p="http://schemas.openxmlformats.org/presentationml/2006/main">
+  <p:cSld>
+    <p:spTree>
+      <p:nvGrpSpPr>
+        <p:cNvPr id="1" name=""/>
+        <p:cNvGrpSpPr/>
+        <p:nvPr/>
+      </p:nvGrpSpPr>
+      <p:grpSpPr>
+        <a:xfrm>
+          <a:off x="0" y="0"/>
+          <a:ext cx="0" cy="0"/>
+          <a:chOff x="0" y="0"/>
+          <a:chExt cx="0" cy="0"/>
+        </a:xfrm>
+      </p:grpSpPr>
+      <p:sp>
+        <p:nvSpPr>
+          <p:cNvPr id="2" name="Footer Placeholder 1"/>
+          <p:cNvSpPr>
+            <a:spLocks noGrp="1"/>
+          </p:cNvSpPr>
+          <p:nvPr>
+            <p:ph type="ftr" sz="quarter" idx="11"/>
+          </p:nvPr>
+        </p:nvSpPr>
+        <p:spPr/>
+        <p:txBody>
+          <a:bodyPr/>
+          <a:lstStyle/>
+          <a:p>
+            <a:r>
+              <a:rPr lang="en-US" smtClean="0"/>
+              <a:t>CS6705: Foundations of AI</a:t>
+            </a:r>
+            <a:endParaRPr lang="en-US"/>
+          </a:p>
+        </p:txBody>
+      </p:sp>
+      <p:sp>
+        <p:nvSpPr>
+          <p:cNvPr id="3" name="TextBox 2"/>
+          <p:cNvSpPr txBox="1"/>
+          <p:nvPr/>
+        </p:nvSpPr>
+        <p:spPr>
+          <a:xfrm>
+            <a:off x="1490134" y="2962870"/>
+            <a:ext cx="6172200" cy="923330"/>
+          </a:xfrm>
+          <a:prstGeom prst="rect">
+            <a:avLst/>
+          </a:prstGeom>
+          <a:noFill/>
+        </p:spPr>
+        <p:txBody>
+          <a:bodyPr wrap="square" rtlCol="0">
+            <a:spAutoFit/>
+          </a:bodyPr>
+          <a:lstStyle/>
+          <a:p>
+            <a:pPr algn="ctr"/>
+            <a:r>
+              <a:rPr lang="en-US" sz="5400" dirty="0" smtClean="0">
+                <a:latin typeface="Lithos Pro Black"/>
+                <a:cs typeface="Lithos Pro Black"/>
+              </a:rPr>
+              <a:t>Questions</a:t>
+            </a:r>
+            <a:endParaRPr lang="en-US" sz="5400" dirty="0">
+              <a:latin typeface="Lithos Pro Black"/>
+              <a:cs typeface="Lithos Pro Black"/>
+            </a:endParaRPr>
+          </a:p>
+        </p:txBody>
+      </p:sp>
+      <p:sp>
+        <p:nvSpPr>
+          <p:cNvPr id="5" name="TextBox 4"/>
+          <p:cNvSpPr txBox="1"/>
+          <p:nvPr/>
+        </p:nvSpPr>
+        <p:spPr>
+          <a:xfrm>
+            <a:off x="7010400" y="1143000"/>
+            <a:ext cx="374974" cy="523220"/>
+          </a:xfrm>
+          <a:prstGeom prst="rect">
+            <a:avLst/>
+          </a:prstGeom>
+          <a:noFill/>
+        </p:spPr>
+        <p:txBody>
+          <a:bodyPr wrap="none" rtlCol="0">
+            <a:spAutoFit/>
+          </a:bodyPr>
+          <a:lstStyle/>
+          <a:p>
+            <a:r>
+              <a:rPr lang="en-US" sz="2800" dirty="0" smtClean="0">
+                <a:latin typeface="Lithos Pro Black"/>
+                <a:cs typeface="Lithos Pro Black"/>
+              </a:rPr>
+              <a:t>?</a:t>
+            </a:r>
+            <a:endParaRPr lang="en-US" sz="2800" dirty="0">
+              <a:latin typeface="Lithos Pro Black"/>
+              <a:cs typeface="Lithos Pro Black"/>
+            </a:endParaRPr>
+          </a:p>
+        </p:txBody>
+      </p:sp>
+      <p:sp>
+        <p:nvSpPr>
+          <p:cNvPr id="6" name="TextBox 5"/>
+          <p:cNvSpPr txBox="1"/>
+          <p:nvPr/>
+        </p:nvSpPr>
+        <p:spPr>
+          <a:xfrm>
+            <a:off x="2971800" y="1524000"/>
+            <a:ext cx="456535" cy="707886"/>
+          </a:xfrm>
+          <a:prstGeom prst="rect">
+            <a:avLst/>
+          </a:prstGeom>
+          <a:noFill/>
+        </p:spPr>
+        <p:txBody>
+          <a:bodyPr wrap="none" rtlCol="0">
+            <a:spAutoFit/>
+          </a:bodyPr>
+          <a:lstStyle/>
+          <a:p>
+            <a:r>
+              <a:rPr lang="en-US" sz="4000" dirty="0" smtClean="0">
+                <a:latin typeface="Lithos Pro Black"/>
+                <a:cs typeface="Lithos Pro Black"/>
+              </a:rPr>
+              <a:t>?</a:t>
+            </a:r>
+            <a:endParaRPr lang="en-US" sz="4000" dirty="0">
+              <a:latin typeface="Lithos Pro Black"/>
+              <a:cs typeface="Lithos Pro Black"/>
+            </a:endParaRPr>
+          </a:p>
+        </p:txBody>
+      </p:sp>
+      <p:sp>
+        <p:nvSpPr>
+          <p:cNvPr id="7" name="TextBox 6"/>
+          <p:cNvSpPr txBox="1"/>
+          <p:nvPr/>
+        </p:nvSpPr>
+        <p:spPr>
+          <a:xfrm>
+            <a:off x="4876800" y="914400"/>
+            <a:ext cx="741998" cy="1354217"/>
+          </a:xfrm>
+          <a:prstGeom prst="rect">
+            <a:avLst/>
+          </a:prstGeom>
+          <a:noFill/>
+        </p:spPr>
+        <p:txBody>
+          <a:bodyPr wrap="none" rtlCol="0">
+            <a:spAutoFit/>
+          </a:bodyPr>
+          <a:lstStyle/>
+          <a:p>
+            <a:r>
+              <a:rPr lang="en-US" sz="8200" dirty="0" smtClean="0">
+                <a:latin typeface="Lithos Pro Black"/>
+                <a:cs typeface="Lithos Pro Black"/>
+              </a:rPr>
+              <a:t>?</a:t>
+            </a:r>
+            <a:endParaRPr lang="en-US" sz="8200" dirty="0">
+              <a:latin typeface="Lithos Pro Black"/>
+              <a:cs typeface="Lithos Pro Black"/>
+            </a:endParaRPr>
+          </a:p>
+        </p:txBody>
+      </p:sp>
+      <p:sp>
+        <p:nvSpPr>
+          <p:cNvPr id="8" name="TextBox 7"/>
+          <p:cNvSpPr txBox="1"/>
+          <p:nvPr/>
+        </p:nvSpPr>
+        <p:spPr>
+          <a:xfrm>
+            <a:off x="2362200" y="4267200"/>
+            <a:ext cx="809965" cy="1508105"/>
+          </a:xfrm>
+          <a:prstGeom prst="rect">
+            <a:avLst/>
+          </a:prstGeom>
+          <a:noFill/>
+        </p:spPr>
+        <p:txBody>
+          <a:bodyPr wrap="none" rtlCol="0">
+            <a:spAutoFit/>
+          </a:bodyPr>
+          <a:lstStyle/>
+          <a:p>
+            <a:r>
+              <a:rPr lang="en-US" sz="9200" dirty="0" smtClean="0">
+                <a:latin typeface="Lithos Pro Black"/>
+                <a:cs typeface="Lithos Pro Black"/>
+              </a:rPr>
+              <a:t>?</a:t>
+            </a:r>
+            <a:endParaRPr lang="en-US" sz="9200" dirty="0">
+              <a:latin typeface="Lithos Pro Black"/>
+              <a:cs typeface="Lithos Pro Black"/>
+            </a:endParaRPr>
+          </a:p>
+        </p:txBody>
+      </p:sp>
+      <p:sp>
+        <p:nvSpPr>
+          <p:cNvPr id="9" name="TextBox 8"/>
+          <p:cNvSpPr txBox="1"/>
+          <p:nvPr/>
+        </p:nvSpPr>
+        <p:spPr>
+          <a:xfrm>
+            <a:off x="6604000" y="2607733"/>
+            <a:ext cx="415755" cy="615553"/>
+          </a:xfrm>
+          <a:prstGeom prst="rect">
+            <a:avLst/>
+          </a:prstGeom>
+          <a:noFill/>
+        </p:spPr>
+        <p:txBody>
+          <a:bodyPr wrap="none" rtlCol="0">
+            <a:spAutoFit/>
+          </a:bodyPr>
+          <a:lstStyle/>
+          <a:p>
+            <a:r>
+              <a:rPr lang="en-US" sz="3300" dirty="0" smtClean="0">
+                <a:latin typeface="Lithos Pro Black"/>
+                <a:cs typeface="Lithos Pro Black"/>
+              </a:rPr>
+              <a:t>?</a:t>
+            </a:r>
+            <a:endParaRPr lang="en-US" sz="3300" dirty="0">
+              <a:latin typeface="Lithos Pro Black"/>
+              <a:cs typeface="Lithos Pro Black"/>
+            </a:endParaRPr>
+          </a:p>
+        </p:txBody>
+      </p:sp>
+      <p:sp>
+        <p:nvSpPr>
+          <p:cNvPr id="10" name="TextBox 9"/>
+          <p:cNvSpPr txBox="1"/>
+          <p:nvPr/>
+        </p:nvSpPr>
+        <p:spPr>
+          <a:xfrm>
+            <a:off x="1447800" y="2362200"/>
+            <a:ext cx="307007" cy="369332"/>
+          </a:xfrm>
+          <a:prstGeom prst="rect">
+            <a:avLst/>
+          </a:prstGeom>
+          <a:noFill/>
+        </p:spPr>
+        <p:txBody>
+          <a:bodyPr wrap="none" rtlCol="0">
+            <a:spAutoFit/>
+          </a:bodyPr>
+          <a:lstStyle/>
+          <a:p>
+            <a:r>
+              <a:rPr lang="en-US" dirty="0" smtClean="0">
+                <a:latin typeface="Lithos Pro Black"/>
+                <a:cs typeface="Lithos Pro Black"/>
+              </a:rPr>
+              <a:t>?</a:t>
+            </a:r>
+            <a:endParaRPr lang="en-US" dirty="0">
+              <a:latin typeface="Lithos Pro Black"/>
+              <a:cs typeface="Lithos Pro Black"/>
+            </a:endParaRPr>
+          </a:p>
+        </p:txBody>
+      </p:sp>
+      <p:sp>
+        <p:nvSpPr>
+          <p:cNvPr id="11" name="TextBox 10"/>
+          <p:cNvSpPr txBox="1"/>
+          <p:nvPr/>
+        </p:nvSpPr>
+        <p:spPr>
+          <a:xfrm>
+            <a:off x="6705600" y="4953000"/>
+            <a:ext cx="300082" cy="307777"/>
+          </a:xfrm>
+          <a:prstGeom prst="rect">
+            <a:avLst/>
+          </a:prstGeom>
+          <a:noFill/>
+        </p:spPr>
+        <p:txBody>
+          <a:bodyPr wrap="none" rtlCol="0">
+            <a:spAutoFit/>
+          </a:bodyPr>
+          <a:lstStyle/>
+          <a:p>
+            <a:r>
+              <a:rPr lang="en-US" sz="1400" dirty="0" smtClean="0">
+                <a:latin typeface="Lithos Pro Black"/>
+                <a:cs typeface="Lithos Pro Black"/>
+              </a:rPr>
+              <a:t>?</a:t>
+            </a:r>
+            <a:endParaRPr lang="en-US" sz="1400" dirty="0">
+              <a:latin typeface="Lithos Pro Black"/>
+              <a:cs typeface="Lithos Pro Black"/>
+            </a:endParaRPr>
+          </a:p>
+        </p:txBody>
+      </p:sp>
+    </p:spTree>
+  </p:cSld>
+  <p:clrMapOvr>
+    <a:masterClrMapping/>
+  </p:clrMapOvr>
+  <p:timing>
+    <p:tnLst>
+      <p:par>
+        <p:cTn id="1" dur="indefinite" restart="never" nodeType="tmRoot"/>
+      </p:par>
+    </p:tnLst>
+  </p:timing>
+</p:sld>
+</file>
+
+<file path=ppt/slides/slide2.xml><?xml version="1.0" encoding="utf-8"?>
+<p:sld xmlns:a="http://schemas.openxmlformats.org/drawingml/2006/main" xmlns:r="http://schemas.openxmlformats.org/officeDocument/2006/relationships" xmlns:p="http://schemas.openxmlformats.org/presentationml/2006/main">
+  <p:cSld>
+    <p:spTree>
+      <p:nvGrpSpPr>
+        <p:cNvPr id="1" name=""/>
+        <p:cNvGrpSpPr/>
+        <p:nvPr/>
+      </p:nvGrpSpPr>
+      <p:grpSpPr>
+        <a:xfrm>
+          <a:off x="0" y="0"/>
+          <a:ext cx="0" cy="0"/>
+          <a:chOff x="0" y="0"/>
+          <a:chExt cx="0" cy="0"/>
+        </a:xfrm>
+      </p:grpSpPr>
+      <p:sp>
+        <p:nvSpPr>
+          <p:cNvPr id="2" name="Title 1"/>
+          <p:cNvSpPr>
+            <a:spLocks noGrp="1"/>
+          </p:cNvSpPr>
+          <p:nvPr>
+            <p:ph type="title"/>
+          </p:nvPr>
+        </p:nvSpPr>
+        <p:spPr/>
+        <p:txBody>
+          <a:bodyPr/>
+          <a:lstStyle/>
+          <a:p>
+            <a:r>
+              <a:rPr lang="en-US" dirty="0" smtClean="0"/>
+              <a:t>Overview</a:t>
+            </a:r>
+            <a:endParaRPr lang="en-US" dirty="0"/>
+          </a:p>
+        </p:txBody>
+      </p:sp>
+      <p:sp>
+        <p:nvSpPr>
+          <p:cNvPr id="3" name="Content Placeholder 2"/>
+          <p:cNvSpPr>
+            <a:spLocks noGrp="1"/>
+          </p:cNvSpPr>
+          <p:nvPr>
+            <p:ph idx="1"/>
+          </p:nvPr>
+        </p:nvSpPr>
+        <p:spPr/>
+        <p:txBody>
+          <a:bodyPr/>
+          <a:lstStyle/>
+          <a:p>
+            <a:r>
+              <a:rPr lang="en-US" dirty="0" smtClean="0"/>
+              <a:t>Introduction</a:t>
+            </a:r>
+          </a:p>
+          <a:p>
+            <a:r>
+              <a:rPr lang="en-US" dirty="0" smtClean="0"/>
+              <a:t>Goals</a:t>
+            </a:r>
+          </a:p>
+          <a:p>
+            <a:r>
+              <a:rPr lang="en-US" dirty="0" smtClean="0"/>
+              <a:t>Functionality</a:t>
+            </a:r>
+          </a:p>
+          <a:p>
+            <a:pPr lvl="1"/>
+            <a:r>
+              <a:rPr lang="en-US" dirty="0" smtClean="0"/>
+              <a:t>Geography</a:t>
+            </a:r>
+          </a:p>
+          <a:p>
+            <a:pPr lvl="1"/>
+            <a:r>
+              <a:rPr lang="en-US" dirty="0" smtClean="0"/>
+              <a:t>Actors</a:t>
+            </a:r>
+          </a:p>
+          <a:p>
+            <a:pPr lvl="1"/>
+            <a:r>
+              <a:rPr lang="en-US" dirty="0" smtClean="0"/>
+              <a:t>Objects</a:t>
+            </a:r>
+          </a:p>
+          <a:p>
+            <a:r>
+              <a:rPr lang="en-US" dirty="0" smtClean="0"/>
+              <a:t>Future Work</a:t>
+            </a:r>
+          </a:p>
+          <a:p>
+            <a:pPr lvl="1">
+              <a:buNone/>
+            </a:pPr>
+            <a:endParaRPr lang="en-US" dirty="0" smtClean="0"/>
+          </a:p>
+          <a:p>
+            <a:endParaRPr lang="en-US" dirty="0" smtClean="0"/>
+          </a:p>
+          <a:p>
+            <a:endParaRPr lang="en-US" dirty="0"/>
+          </a:p>
+        </p:txBody>
+      </p:sp>
+      <p:sp>
+        <p:nvSpPr>
+          <p:cNvPr id="4" name="Footer Placeholder 3"/>
+          <p:cNvSpPr>
+            <a:spLocks noGrp="1"/>
+          </p:cNvSpPr>
+          <p:nvPr>
+            <p:ph type="ftr" sz="quarter" idx="11"/>
+          </p:nvPr>
+        </p:nvSpPr>
+        <p:spPr/>
+        <p:txBody>
+          <a:bodyPr/>
+          <a:lstStyle/>
+          <a:p>
+            <a:r>
+              <a:rPr lang="en-US" smtClean="0"/>
+              <a:t>CS6705: Foundations of AI</a:t>
+            </a:r>
+            <a:endParaRPr lang="en-US"/>
+          </a:p>
+        </p:txBody>
+      </p:sp>
+    </p:spTree>
+  </p:cSld>
+  <p:clrMapOvr>
+    <a:masterClrMapping/>
+  </p:clrMapOvr>
+  <p:timing>
+    <p:tnLst>
+      <p:par>
+        <p:cTn id="1" dur="indefinite" restart="never" nodeType="tmRoot"/>
+      </p:par>
+    </p:tnLst>
+  </p:timing>
+</p:sld>
+</file>
+
+<file path=ppt/slides/slide3.xml><?xml version="1.0" encoding="utf-8"?>
+<p:sld xmlns:a="http://schemas.openxmlformats.org/drawingml/2006/main" xmlns:r="http://schemas.openxmlformats.org/officeDocument/2006/relationships" xmlns:p="http://schemas.openxmlformats.org/presentationml/2006/main">
+  <p:cSld>
+    <p:spTree>
+      <p:nvGrpSpPr>
+        <p:cNvPr id="1" name=""/>
+        <p:cNvGrpSpPr/>
+        <p:nvPr/>
+      </p:nvGrpSpPr>
+      <p:grpSpPr>
+        <a:xfrm>
+          <a:off x="0" y="0"/>
+          <a:ext cx="0" cy="0"/>
+          <a:chOff x="0" y="0"/>
+          <a:chExt cx="0" cy="0"/>
+        </a:xfrm>
+      </p:grpSpPr>
+      <p:pic>
+        <p:nvPicPr>
+          <p:cNvPr id="1027" name="Picture 3"/>
+          <p:cNvPicPr>
+            <a:picLocks noChangeAspect="1" noChangeArrowheads="1"/>
+          </p:cNvPicPr>
+          <p:nvPr/>
+        </p:nvPicPr>
+        <p:blipFill>
+          <a:blip r:embed="rId3"/>
+          <a:srcRect/>
+          <a:stretch>
+            <a:fillRect/>
+          </a:stretch>
+        </p:blipFill>
+        <p:spPr bwMode="auto">
+          <a:xfrm>
+            <a:off x="2590800" y="2590800"/>
+            <a:ext cx="6133746" cy="3962400"/>
+          </a:xfrm>
+          <a:prstGeom prst="rect">
+            <a:avLst/>
+          </a:prstGeom>
+          <a:noFill/>
+          <a:ln w="9525">
+            <a:noFill/>
+            <a:miter lim="800000"/>
+            <a:headEnd/>
+            <a:tailEnd/>
+          </a:ln>
+          <a:effectLst/>
+        </p:spPr>
+      </p:pic>
+      <p:sp>
+        <p:nvSpPr>
+          <p:cNvPr id="2" name="Title 1"/>
+          <p:cNvSpPr>
+            <a:spLocks noGrp="1"/>
+          </p:cNvSpPr>
+          <p:nvPr>
+            <p:ph type="title"/>
+          </p:nvPr>
+        </p:nvSpPr>
+        <p:spPr/>
+        <p:txBody>
+          <a:bodyPr/>
+          <a:lstStyle/>
+          <a:p>
+            <a:r>
+              <a:rPr lang="en-US" dirty="0" smtClean="0"/>
+              <a:t>Introduction</a:t>
+            </a:r>
+            <a:br>
+              <a:rPr lang="en-US" dirty="0" smtClean="0"/>
+            </a:br>
+            <a:endParaRPr lang="en-US" dirty="0"/>
+          </a:p>
+        </p:txBody>
+      </p:sp>
+      <p:sp>
+        <p:nvSpPr>
+          <p:cNvPr id="3" name="Content Placeholder 2"/>
+          <p:cNvSpPr>
+            <a:spLocks noGrp="1"/>
+          </p:cNvSpPr>
+          <p:nvPr>
+            <p:ph idx="1"/>
+          </p:nvPr>
+        </p:nvSpPr>
+        <p:spPr>
+          <a:xfrm>
+            <a:off x="533400" y="1066800"/>
+            <a:ext cx="8305800" cy="1676400"/>
+          </a:xfrm>
+        </p:spPr>
+        <p:txBody>
+          <a:bodyPr>
+            <a:normAutofit fontScale="92500" lnSpcReduction="20000"/>
+          </a:bodyPr>
+          <a:lstStyle/>
+          <a:p>
+            <a:r>
+              <a:rPr lang="en-US" dirty="0" smtClean="0"/>
+              <a:t>Home Security systems come with a variety of detection systems.</a:t>
+            </a:r>
+          </a:p>
+          <a:p>
+            <a:r>
+              <a:rPr lang="en-US" dirty="0" smtClean="0"/>
+              <a:t>Our focus for this project will be burglar (or intrusion)</a:t>
+            </a:r>
+          </a:p>
+          <a:p>
+            <a:endParaRPr lang="en-US" dirty="0"/>
+          </a:p>
+        </p:txBody>
+      </p:sp>
+      <p:sp>
+        <p:nvSpPr>
+          <p:cNvPr id="4" name="Footer Placeholder 3"/>
+          <p:cNvSpPr>
+            <a:spLocks noGrp="1"/>
+          </p:cNvSpPr>
+          <p:nvPr>
+            <p:ph type="ftr" sz="quarter" idx="11"/>
+          </p:nvPr>
+        </p:nvSpPr>
+        <p:spPr/>
+        <p:txBody>
+          <a:bodyPr/>
+          <a:lstStyle/>
+          <a:p>
+            <a:r>
+              <a:rPr lang="en-US" smtClean="0"/>
+              <a:t>CS6705: Foundations of AI</a:t>
+            </a:r>
+            <a:endParaRPr lang="en-US"/>
+          </a:p>
+        </p:txBody>
+      </p:sp>
+    </p:spTree>
+  </p:cSld>
+  <p:clrMapOvr>
+    <a:masterClrMapping/>
+  </p:clrMapOvr>
+  <p:timing>
+    <p:tnLst>
+      <p:par>
+        <p:cTn id="1" dur="indefinite" restart="never" nodeType="tmRoot"/>
+      </p:par>
+    </p:tnLst>
+  </p:timing>
+</p:sld>
+</file>
+
+<file path=ppt/slides/slide4.xml><?xml version="1.0" encoding="utf-8"?>
+<p:sld xmlns:a="http://schemas.openxmlformats.org/drawingml/2006/main" xmlns:r="http://schemas.openxmlformats.org/officeDocument/2006/relationships" xmlns:p="http://schemas.openxmlformats.org/presentationml/2006/main">
+  <p:cSld>
+    <p:spTree>
+      <p:nvGrpSpPr>
+        <p:cNvPr id="1" name=""/>
+        <p:cNvGrpSpPr/>
+        <p:nvPr/>
+      </p:nvGrpSpPr>
+      <p:grpSpPr>
+        <a:xfrm>
+          <a:off x="0" y="0"/>
+          <a:ext cx="0" cy="0"/>
+          <a:chOff x="0" y="0"/>
+          <a:chExt cx="0" cy="0"/>
+        </a:xfrm>
+      </p:grpSpPr>
+      <p:sp>
+        <p:nvSpPr>
+          <p:cNvPr id="2" name="Title 1"/>
+          <p:cNvSpPr>
+            <a:spLocks noGrp="1"/>
+          </p:cNvSpPr>
+          <p:nvPr>
+            <p:ph type="title"/>
+          </p:nvPr>
+        </p:nvSpPr>
+        <p:spPr/>
+        <p:txBody>
+          <a:bodyPr/>
+          <a:lstStyle/>
+          <a:p>
+            <a:r>
+              <a:rPr lang="en-US" dirty="0" smtClean="0"/>
+              <a:t>Goals</a:t>
+            </a:r>
+            <a:endParaRPr lang="en-US" dirty="0"/>
+          </a:p>
+        </p:txBody>
+      </p:sp>
+      <p:sp>
+        <p:nvSpPr>
+          <p:cNvPr id="3" name="Content Placeholder 2"/>
+          <p:cNvSpPr>
+            <a:spLocks noGrp="1"/>
+          </p:cNvSpPr>
+          <p:nvPr>
+            <p:ph idx="1"/>
+          </p:nvPr>
+        </p:nvSpPr>
+        <p:spPr>
+          <a:xfrm>
+            <a:off x="457200" y="1371600"/>
+            <a:ext cx="8229600" cy="4953000"/>
+          </a:xfrm>
+        </p:spPr>
+        <p:txBody>
+          <a:bodyPr/>
+          <a:lstStyle/>
+          <a:p>
+            <a:r>
+              <a:rPr lang="en-US" dirty="0" smtClean="0"/>
+              <a:t>We aim to see how effective a House Security system would be through </a:t>
+            </a:r>
+            <a:r>
+              <a:rPr lang="en-US" dirty="0" err="1" smtClean="0"/>
+              <a:t>brahms</a:t>
+            </a:r>
+            <a:r>
+              <a:rPr lang="en-US" dirty="0" smtClean="0"/>
+              <a:t> simulation</a:t>
+            </a:r>
+          </a:p>
+          <a:p>
+            <a:r>
+              <a:rPr lang="en-US" dirty="0" smtClean="0"/>
+              <a:t>We want to create a systematic break-ins by a thief to understand the security loop-holes</a:t>
+            </a:r>
+          </a:p>
+          <a:p>
+            <a:r>
+              <a:rPr lang="en-US" dirty="0" smtClean="0"/>
+              <a:t>We also intend to simulate a 911 emergency response centre (with limited functionality)</a:t>
+            </a:r>
+          </a:p>
+        </p:txBody>
+      </p:sp>
+      <p:sp>
+        <p:nvSpPr>
+          <p:cNvPr id="4" name="Footer Placeholder 3"/>
+          <p:cNvSpPr>
+            <a:spLocks noGrp="1"/>
+          </p:cNvSpPr>
+          <p:nvPr>
+            <p:ph type="ftr" sz="quarter" idx="11"/>
+          </p:nvPr>
+        </p:nvSpPr>
+        <p:spPr/>
+        <p:txBody>
+          <a:bodyPr/>
+          <a:lstStyle/>
+          <a:p>
+            <a:r>
+              <a:rPr lang="en-US" smtClean="0"/>
+              <a:t>CS6705: Foundations of AI</a:t>
+            </a:r>
+            <a:endParaRPr lang="en-US"/>
+          </a:p>
+        </p:txBody>
+      </p:sp>
+    </p:spTree>
+  </p:cSld>
+  <p:clrMapOvr>
+    <a:masterClrMapping/>
+  </p:clrMapOvr>
+  <p:timing>
+    <p:tnLst>
+      <p:par>
+        <p:cTn id="1" dur="indefinite" restart="never" nodeType="tmRoot"/>
+      </p:par>
+    </p:tnLst>
+  </p:timing>
+</p:sld>
+</file>
+
+<file path=ppt/slides/slide5.xml><?xml version="1.0" encoding="utf-8"?>
+<p:sld xmlns:a="http://schemas.openxmlformats.org/drawingml/2006/main" xmlns:r="http://schemas.openxmlformats.org/officeDocument/2006/relationships" xmlns:p="http://schemas.openxmlformats.org/presentationml/2006/main">
+  <p:cSld>
+    <p:spTree>
+      <p:nvGrpSpPr>
+        <p:cNvPr id="1" name=""/>
+        <p:cNvGrpSpPr/>
+        <p:nvPr/>
+      </p:nvGrpSpPr>
+      <p:grpSpPr>
+        <a:xfrm>
+          <a:off x="0" y="0"/>
+          <a:ext cx="0" cy="0"/>
+          <a:chOff x="0" y="0"/>
+          <a:chExt cx="0" cy="0"/>
+        </a:xfrm>
+      </p:grpSpPr>
+      <p:sp>
+        <p:nvSpPr>
+          <p:cNvPr id="2" name="Title 1"/>
+          <p:cNvSpPr>
+            <a:spLocks noGrp="1"/>
+          </p:cNvSpPr>
+          <p:nvPr>
+            <p:ph type="title"/>
+          </p:nvPr>
+        </p:nvSpPr>
+        <p:spPr/>
+        <p:txBody>
+          <a:bodyPr/>
+          <a:lstStyle/>
+          <a:p>
+            <a:r>
+              <a:rPr lang="en-US" dirty="0" smtClean="0"/>
+              <a:t>Functionality</a:t>
+            </a:r>
+            <a:endParaRPr lang="en-US" dirty="0"/>
+          </a:p>
+        </p:txBody>
+      </p:sp>
+      <p:sp>
+        <p:nvSpPr>
+          <p:cNvPr id="3" name="Content Placeholder 2"/>
+          <p:cNvSpPr>
+            <a:spLocks noGrp="1"/>
+          </p:cNvSpPr>
+          <p:nvPr>
+            <p:ph idx="1"/>
+          </p:nvPr>
+        </p:nvSpPr>
+        <p:spPr/>
+        <p:txBody>
+          <a:bodyPr>
+            <a:normAutofit lnSpcReduction="10000"/>
+          </a:bodyPr>
+          <a:lstStyle/>
+          <a:p>
+            <a:r>
+              <a:rPr lang="en-US" dirty="0" smtClean="0"/>
+              <a:t>The home owner installs a security system</a:t>
+            </a:r>
+          </a:p>
+          <a:p>
+            <a:r>
+              <a:rPr lang="en-US" dirty="0" smtClean="0"/>
+              <a:t>The user chooses a security code and a security keyword</a:t>
+            </a:r>
+          </a:p>
+          <a:p>
+            <a:r>
+              <a:rPr lang="en-US" dirty="0" smtClean="0"/>
+              <a:t>The House agent takes inputs from various sensors &amp; also authenticates the house user</a:t>
+            </a:r>
+          </a:p>
+          <a:p>
+            <a:r>
+              <a:rPr lang="en-US" dirty="0" smtClean="0"/>
+              <a:t>activation and deactivation of the security system can be done via the security keypad</a:t>
+            </a:r>
+          </a:p>
+        </p:txBody>
+      </p:sp>
+      <p:sp>
+        <p:nvSpPr>
+          <p:cNvPr id="4" name="Footer Placeholder 3"/>
+          <p:cNvSpPr>
+            <a:spLocks noGrp="1"/>
+          </p:cNvSpPr>
+          <p:nvPr>
+            <p:ph type="ftr" sz="quarter" idx="11"/>
+          </p:nvPr>
+        </p:nvSpPr>
+        <p:spPr/>
+        <p:txBody>
+          <a:bodyPr/>
+          <a:lstStyle/>
+          <a:p>
+            <a:r>
+              <a:rPr lang="en-US" smtClean="0"/>
+              <a:t>CS6705: Foundations of AI</a:t>
+            </a:r>
+            <a:endParaRPr lang="en-US"/>
+          </a:p>
+        </p:txBody>
+      </p:sp>
+    </p:spTree>
+  </p:cSld>
+  <p:clrMapOvr>
+    <a:masterClrMapping/>
+  </p:clrMapOvr>
+  <p:timing>
+    <p:tnLst>
+      <p:par>
+        <p:cTn id="1" dur="indefinite" restart="never" nodeType="tmRoot"/>
+      </p:par>
+    </p:tnLst>
+  </p:timing>
+</p:sld>
+</file>
+
+<file path=ppt/slides/slide6.xml><?xml version="1.0" encoding="utf-8"?>
+<p:sld xmlns:a="http://schemas.openxmlformats.org/drawingml/2006/main" xmlns:r="http://schemas.openxmlformats.org/officeDocument/2006/relationships" xmlns:p="http://schemas.openxmlformats.org/presentationml/2006/main">
+  <p:cSld>
+    <p:spTree>
+      <p:nvGrpSpPr>
+        <p:cNvPr id="1" name=""/>
+        <p:cNvGrpSpPr/>
+        <p:nvPr/>
+      </p:nvGrpSpPr>
+      <p:grpSpPr>
+        <a:xfrm>
+          <a:off x="0" y="0"/>
+          <a:ext cx="0" cy="0"/>
+          <a:chOff x="0" y="0"/>
+          <a:chExt cx="0" cy="0"/>
+        </a:xfrm>
+      </p:grpSpPr>
+      <p:sp>
+        <p:nvSpPr>
+          <p:cNvPr id="2" name="Title 1"/>
+          <p:cNvSpPr>
+            <a:spLocks noGrp="1"/>
+          </p:cNvSpPr>
+          <p:nvPr>
+            <p:ph type="title"/>
+          </p:nvPr>
+        </p:nvSpPr>
+        <p:spPr/>
+        <p:txBody>
+          <a:bodyPr/>
+          <a:lstStyle/>
+          <a:p>
+            <a:r>
+              <a:rPr lang="en-US" dirty="0" smtClean="0"/>
+              <a:t>Functionality</a:t>
+            </a:r>
+            <a:endParaRPr lang="en-US" dirty="0"/>
+          </a:p>
+        </p:txBody>
+      </p:sp>
+      <p:sp>
+        <p:nvSpPr>
+          <p:cNvPr id="3" name="Content Placeholder 2"/>
+          <p:cNvSpPr>
+            <a:spLocks noGrp="1"/>
+          </p:cNvSpPr>
+          <p:nvPr>
+            <p:ph idx="1"/>
+          </p:nvPr>
+        </p:nvSpPr>
+        <p:spPr/>
+        <p:txBody>
+          <a:bodyPr>
+            <a:normAutofit lnSpcReduction="10000"/>
+          </a:bodyPr>
+          <a:lstStyle/>
+          <a:p>
+            <a:r>
+              <a:rPr lang="en-US" dirty="0" smtClean="0"/>
+              <a:t>The motion detectors generates events and communicates with the security system</a:t>
+            </a:r>
+          </a:p>
+          <a:p>
+            <a:r>
+              <a:rPr lang="en-US" dirty="0" smtClean="0"/>
+              <a:t>Events generated by the motion detectors raises an alarm if anything matches one of security systems rules</a:t>
+            </a:r>
+          </a:p>
+          <a:p>
+            <a:r>
+              <a:rPr lang="en-US" dirty="0" smtClean="0"/>
+              <a:t>When an alarm is raised the house system will communicate with the security company and the house user</a:t>
+            </a:r>
+          </a:p>
+          <a:p>
+            <a:endParaRPr lang="en-US" dirty="0"/>
+          </a:p>
+        </p:txBody>
+      </p:sp>
+      <p:sp>
+        <p:nvSpPr>
+          <p:cNvPr id="4" name="Footer Placeholder 3"/>
+          <p:cNvSpPr>
+            <a:spLocks noGrp="1"/>
+          </p:cNvSpPr>
+          <p:nvPr>
+            <p:ph type="ftr" sz="quarter" idx="11"/>
+          </p:nvPr>
+        </p:nvSpPr>
+        <p:spPr/>
+        <p:txBody>
+          <a:bodyPr/>
+          <a:lstStyle/>
+          <a:p>
+            <a:r>
+              <a:rPr lang="en-US" smtClean="0"/>
+              <a:t>CS6705: Foundations of AI</a:t>
+            </a:r>
+            <a:endParaRPr lang="en-US"/>
+          </a:p>
+        </p:txBody>
+      </p:sp>
+    </p:spTree>
+  </p:cSld>
+  <p:clrMapOvr>
+    <a:masterClrMapping/>
+  </p:clrMapOvr>
+  <p:timing>
+    <p:tnLst>
+      <p:par>
+        <p:cTn id="1" dur="indefinite" restart="never" nodeType="tmRoot"/>
+      </p:par>
+    </p:tnLst>
+  </p:timing>
+</p:sld>
+</file>
+
+<file path=ppt/slides/slide7.xml><?xml version="1.0" encoding="utf-8"?>
+<p:sld xmlns:a="http://schemas.openxmlformats.org/drawingml/2006/main" xmlns:r="http://schemas.openxmlformats.org/officeDocument/2006/relationships" xmlns:p="http://schemas.openxmlformats.org/presentationml/2006/main">
+  <p:cSld>
+    <p:spTree>
+      <p:nvGrpSpPr>
+        <p:cNvPr id="1" name=""/>
+        <p:cNvGrpSpPr/>
+        <p:nvPr/>
+      </p:nvGrpSpPr>
+      <p:grpSpPr>
+        <a:xfrm>
+          <a:off x="0" y="0"/>
+          <a:ext cx="0" cy="0"/>
+          <a:chOff x="0" y="0"/>
+          <a:chExt cx="0" cy="0"/>
+        </a:xfrm>
+      </p:grpSpPr>
+      <p:sp>
+        <p:nvSpPr>
+          <p:cNvPr id="2" name="Title 1"/>
+          <p:cNvSpPr>
+            <a:spLocks noGrp="1"/>
+          </p:cNvSpPr>
+          <p:nvPr>
+            <p:ph type="title"/>
+          </p:nvPr>
+        </p:nvSpPr>
+        <p:spPr/>
+        <p:txBody>
+          <a:bodyPr/>
+          <a:lstStyle/>
+          <a:p>
+            <a:r>
+              <a:rPr lang="en-US" dirty="0" smtClean="0"/>
+              <a:t>Functionality</a:t>
+            </a:r>
+            <a:endParaRPr lang="en-US" dirty="0"/>
+          </a:p>
+        </p:txBody>
+      </p:sp>
+      <p:sp>
+        <p:nvSpPr>
+          <p:cNvPr id="3" name="Content Placeholder 2"/>
+          <p:cNvSpPr>
+            <a:spLocks noGrp="1"/>
+          </p:cNvSpPr>
+          <p:nvPr>
+            <p:ph idx="1"/>
+          </p:nvPr>
+        </p:nvSpPr>
+        <p:spPr/>
+        <p:txBody>
+          <a:bodyPr>
+            <a:normAutofit lnSpcReduction="10000"/>
+          </a:bodyPr>
+          <a:lstStyle/>
+          <a:p>
+            <a:r>
+              <a:rPr lang="en-US" dirty="0" smtClean="0"/>
+              <a:t>The security company would in turn call the house user (and authenticate him by using the preselected keyword) and ask if the alarm is legitimate and if so would call 911 response system</a:t>
+            </a:r>
+          </a:p>
+          <a:p>
+            <a:r>
+              <a:rPr lang="en-US" dirty="0" smtClean="0"/>
+              <a:t>911 response system dispatches a security team to the house based on the location and availability of teams, there can be delays</a:t>
+            </a:r>
+          </a:p>
+        </p:txBody>
+      </p:sp>
+      <p:sp>
+        <p:nvSpPr>
+          <p:cNvPr id="4" name="Footer Placeholder 3"/>
+          <p:cNvSpPr>
+            <a:spLocks noGrp="1"/>
+          </p:cNvSpPr>
+          <p:nvPr>
+            <p:ph type="ftr" sz="quarter" idx="11"/>
+          </p:nvPr>
+        </p:nvSpPr>
+        <p:spPr/>
+        <p:txBody>
+          <a:bodyPr/>
+          <a:lstStyle/>
+          <a:p>
+            <a:r>
+              <a:rPr lang="en-US" dirty="0" smtClean="0"/>
+              <a:t>CS6705: Foundations of AI</a:t>
+            </a:r>
+            <a:endParaRPr lang="en-US" dirty="0"/>
+          </a:p>
+        </p:txBody>
+      </p:sp>
+    </p:spTree>
+  </p:cSld>
+  <p:clrMapOvr>
+    <a:masterClrMapping/>
+  </p:clrMapOvr>
+  <p:timing>
+    <p:tnLst>
+      <p:par>
+        <p:cTn id="1" dur="indefinite" restart="never" nodeType="tmRoot"/>
+      </p:par>
+    </p:tnLst>
+  </p:timing>
+</p:sld>
+</file>
+
+<file path=ppt/slides/slide8.xml><?xml version="1.0" encoding="utf-8"?>
+<p:sld xmlns:a="http://schemas.openxmlformats.org/drawingml/2006/main" xmlns:r="http://schemas.openxmlformats.org/officeDocument/2006/relationships" xmlns:p="http://schemas.openxmlformats.org/presentationml/2006/main" showMasterSp="0">
+  <p:cSld>
+    <p:spTree>
+      <p:nvGrpSpPr>
+        <p:cNvPr id="1" name=""/>
+        <p:cNvGrpSpPr/>
+        <p:nvPr/>
+      </p:nvGrpSpPr>
+      <p:grpSpPr>
+        <a:xfrm>
+          <a:off x="0" y="0"/>
+          <a:ext cx="0" cy="0"/>
+          <a:chOff x="0" y="0"/>
+          <a:chExt cx="0" cy="0"/>
+        </a:xfrm>
+      </p:grpSpPr>
+      <p:pic>
+        <p:nvPicPr>
+          <p:cNvPr id="1026" name="Picture 2" descr="C:\Users\Viper\Documents\UNB-Courses\AI\unb-ai\Project\firstDiagram.png"/>
+          <p:cNvPicPr>
+            <a:picLocks noChangeAspect="1" noChangeArrowheads="1"/>
+          </p:cNvPicPr>
+          <p:nvPr/>
+        </p:nvPicPr>
+        <p:blipFill>
+          <a:blip r:embed="rId3"/>
+          <a:srcRect/>
+          <a:stretch>
+            <a:fillRect/>
+          </a:stretch>
+        </p:blipFill>
+        <p:spPr bwMode="auto">
+          <a:xfrm>
+            <a:off x="137746" y="914400"/>
+            <a:ext cx="8853854" cy="4343400"/>
+          </a:xfrm>
+          <a:prstGeom prst="rect">
+            <a:avLst/>
+          </a:prstGeom>
+          <a:noFill/>
+        </p:spPr>
+      </p:pic>
+      <p:sp>
+        <p:nvSpPr>
+          <p:cNvPr id="3" name="Footer Placeholder 2"/>
+          <p:cNvSpPr>
+            <a:spLocks noGrp="1"/>
+          </p:cNvSpPr>
+          <p:nvPr>
+            <p:ph type="ftr" sz="quarter" idx="11"/>
+          </p:nvPr>
+        </p:nvSpPr>
+        <p:spPr/>
+        <p:txBody>
+          <a:bodyPr/>
+          <a:lstStyle/>
+          <a:p>
+            <a:r>
+              <a:rPr lang="en-US" smtClean="0"/>
+              <a:t>CS6705: Foundations of AI</a:t>
+            </a:r>
+            <a:endParaRPr lang="en-US"/>
+          </a:p>
+        </p:txBody>
+      </p:sp>
+    </p:spTree>
+  </p:cSld>
+  <p:clrMapOvr>
+    <a:masterClrMapping/>
+  </p:clrMapOvr>
+  <p:timing>
+    <p:tnLst>
+      <p:par>
+        <p:cTn id="1" dur="indefinite" restart="never" nodeType="tmRoot"/>
+      </p:par>
+    </p:tnLst>
+  </p:timing>
+</p:sld>
+</file>
+
+<file path=ppt/slides/slide9.xml><?xml version="1.0" encoding="utf-8"?>
+<p:sld xmlns:a="http://schemas.openxmlformats.org/drawingml/2006/main" xmlns:r="http://schemas.openxmlformats.org/officeDocument/2006/relationships" xmlns:p="http://schemas.openxmlformats.org/presentationml/2006/main">
+  <p:cSld>
+    <p:spTree>
+      <p:nvGrpSpPr>
+        <p:cNvPr id="1" name=""/>
+        <p:cNvGrpSpPr/>
+        <p:nvPr/>
+      </p:nvGrpSpPr>
+      <p:grpSpPr>
+        <a:xfrm>
+          <a:off x="0" y="0"/>
+          <a:ext cx="0" cy="0"/>
+          <a:chOff x="0" y="0"/>
+          <a:chExt cx="0" cy="0"/>
+        </a:xfrm>
+      </p:grpSpPr>
+      <p:sp>
+        <p:nvSpPr>
+          <p:cNvPr id="2" name="Title 1"/>
+          <p:cNvSpPr>
+            <a:spLocks noGrp="1"/>
+          </p:cNvSpPr>
+          <p:nvPr>
+            <p:ph type="title"/>
+          </p:nvPr>
+        </p:nvSpPr>
+        <p:spPr/>
+        <p:txBody>
+          <a:bodyPr/>
+          <a:lstStyle/>
+          <a:p>
+            <a:r>
+              <a:rPr lang="en-US" dirty="0" smtClean="0"/>
+              <a:t>Functionality: Geography</a:t>
+            </a:r>
+            <a:endParaRPr lang="en-US" dirty="0"/>
+          </a:p>
+        </p:txBody>
+      </p:sp>
+      <p:sp>
+        <p:nvSpPr>
+          <p:cNvPr id="3" name="Content Placeholder 2"/>
+          <p:cNvSpPr>
+            <a:spLocks noGrp="1"/>
+          </p:cNvSpPr>
+          <p:nvPr>
+            <p:ph idx="1"/>
+          </p:nvPr>
+        </p:nvSpPr>
+        <p:spPr/>
+        <p:txBody>
+          <a:bodyPr/>
+          <a:lstStyle/>
+          <a:p>
+            <a:r>
+              <a:rPr lang="en-US" dirty="0" smtClean="0"/>
+              <a:t>House – 1: Complete House with details of rooms etc.</a:t>
+            </a:r>
+          </a:p>
+          <a:p>
+            <a:r>
+              <a:rPr lang="en-US" dirty="0" smtClean="0"/>
+              <a:t>House 2&amp;3</a:t>
+            </a:r>
+          </a:p>
+          <a:p>
+            <a:r>
+              <a:rPr lang="en-US" dirty="0" smtClean="0"/>
+              <a:t>Security System’s Agent Office</a:t>
+            </a:r>
+          </a:p>
+          <a:p>
+            <a:r>
+              <a:rPr lang="en-US" dirty="0" smtClean="0"/>
+              <a:t>911 Response Agent’s Office</a:t>
+            </a:r>
+          </a:p>
+          <a:p>
+            <a:r>
+              <a:rPr lang="en-US" dirty="0" smtClean="0"/>
+              <a:t>911 Response Team locations</a:t>
+            </a:r>
             <a:endParaRPr lang="en-US" dirty="0"/>
           </a:p>
         </p:txBody>
